--- a/TCC/Diagramas de Game Design.pptx
+++ b/TCC/Diagramas de Game Design.pptx
@@ -1,23 +1,118 @@
 
 <file path=ppt/presentation.xml><?xml version="1.0" encoding="utf-8"?>
-<p:presentation xmlns:a="http://schemas.openxmlformats.org/drawingml/2006/main" xmlns:p="http://schemas.openxmlformats.org/presentationml/2006/main" xmlns:r="http://schemas.openxmlformats.org/officeDocument/2006/relationships" xmlns:p14="http://schemas.microsoft.com/office/powerpoint/2010/main" xmlns:p15="http://schemas.microsoft.com/office/powerpoint/2012/main" xmlns:mc="http://schemas.openxmlformats.org/markup-compatibility/2006">
+<p:presentation xmlns:a="http://schemas.openxmlformats.org/drawingml/2006/main" xmlns:r="http://schemas.openxmlformats.org/officeDocument/2006/relationships" xmlns:p="http://schemas.openxmlformats.org/presentationml/2006/main">
   <p:sldMasterIdLst>
-    <p:sldMasterId id="2147483648" r:id="rId2"/>
+    <p:sldMasterId id="2147483648" r:id="rId1"/>
   </p:sldMasterIdLst>
   <p:sldIdLst>
-    <p:sldId id="256" r:id="rId3"/>
-    <p:sldId id="257" r:id="rId4"/>
-    <p:sldId id="258" r:id="rId5"/>
-    <p:sldId id="259" r:id="rId6"/>
-    <p:sldId id="260" r:id="rId7"/>
+    <p:sldId id="256" r:id="rId2"/>
+    <p:sldId id="257" r:id="rId3"/>
+    <p:sldId id="258" r:id="rId4"/>
+    <p:sldId id="259" r:id="rId5"/>
+    <p:sldId id="260" r:id="rId6"/>
   </p:sldIdLst>
-  <p:sldSz cx="9144000" cy="6858000"/>
-  <p:notesSz cx="7559675" cy="10691812"/>
+  <p:sldSz cx="9144000" cy="6858000" type="screen4x3"/>
+  <p:notesSz cx="7559675" cy="10691813"/>
+  <p:defaultTextStyle>
+    <a:defPPr>
+      <a:defRPr lang="pt-BR"/>
+    </a:defPPr>
+    <a:lvl1pPr marL="0" algn="l" defTabSz="914400" rtl="0" eaLnBrk="1" latinLnBrk="0" hangingPunct="1">
+      <a:defRPr sz="1800" kern="1200">
+        <a:solidFill>
+          <a:schemeClr val="tx1"/>
+        </a:solidFill>
+        <a:latin typeface="+mn-lt"/>
+        <a:ea typeface="+mn-ea"/>
+        <a:cs typeface="+mn-cs"/>
+      </a:defRPr>
+    </a:lvl1pPr>
+    <a:lvl2pPr marL="457200" algn="l" defTabSz="914400" rtl="0" eaLnBrk="1" latinLnBrk="0" hangingPunct="1">
+      <a:defRPr sz="1800" kern="1200">
+        <a:solidFill>
+          <a:schemeClr val="tx1"/>
+        </a:solidFill>
+        <a:latin typeface="+mn-lt"/>
+        <a:ea typeface="+mn-ea"/>
+        <a:cs typeface="+mn-cs"/>
+      </a:defRPr>
+    </a:lvl2pPr>
+    <a:lvl3pPr marL="914400" algn="l" defTabSz="914400" rtl="0" eaLnBrk="1" latinLnBrk="0" hangingPunct="1">
+      <a:defRPr sz="1800" kern="1200">
+        <a:solidFill>
+          <a:schemeClr val="tx1"/>
+        </a:solidFill>
+        <a:latin typeface="+mn-lt"/>
+        <a:ea typeface="+mn-ea"/>
+        <a:cs typeface="+mn-cs"/>
+      </a:defRPr>
+    </a:lvl3pPr>
+    <a:lvl4pPr marL="1371600" algn="l" defTabSz="914400" rtl="0" eaLnBrk="1" latinLnBrk="0" hangingPunct="1">
+      <a:defRPr sz="1800" kern="1200">
+        <a:solidFill>
+          <a:schemeClr val="tx1"/>
+        </a:solidFill>
+        <a:latin typeface="+mn-lt"/>
+        <a:ea typeface="+mn-ea"/>
+        <a:cs typeface="+mn-cs"/>
+      </a:defRPr>
+    </a:lvl4pPr>
+    <a:lvl5pPr marL="1828800" algn="l" defTabSz="914400" rtl="0" eaLnBrk="1" latinLnBrk="0" hangingPunct="1">
+      <a:defRPr sz="1800" kern="1200">
+        <a:solidFill>
+          <a:schemeClr val="tx1"/>
+        </a:solidFill>
+        <a:latin typeface="+mn-lt"/>
+        <a:ea typeface="+mn-ea"/>
+        <a:cs typeface="+mn-cs"/>
+      </a:defRPr>
+    </a:lvl5pPr>
+    <a:lvl6pPr marL="2286000" algn="l" defTabSz="914400" rtl="0" eaLnBrk="1" latinLnBrk="0" hangingPunct="1">
+      <a:defRPr sz="1800" kern="1200">
+        <a:solidFill>
+          <a:schemeClr val="tx1"/>
+        </a:solidFill>
+        <a:latin typeface="+mn-lt"/>
+        <a:ea typeface="+mn-ea"/>
+        <a:cs typeface="+mn-cs"/>
+      </a:defRPr>
+    </a:lvl6pPr>
+    <a:lvl7pPr marL="2743200" algn="l" defTabSz="914400" rtl="0" eaLnBrk="1" latinLnBrk="0" hangingPunct="1">
+      <a:defRPr sz="1800" kern="1200">
+        <a:solidFill>
+          <a:schemeClr val="tx1"/>
+        </a:solidFill>
+        <a:latin typeface="+mn-lt"/>
+        <a:ea typeface="+mn-ea"/>
+        <a:cs typeface="+mn-cs"/>
+      </a:defRPr>
+    </a:lvl7pPr>
+    <a:lvl8pPr marL="3200400" algn="l" defTabSz="914400" rtl="0" eaLnBrk="1" latinLnBrk="0" hangingPunct="1">
+      <a:defRPr sz="1800" kern="1200">
+        <a:solidFill>
+          <a:schemeClr val="tx1"/>
+        </a:solidFill>
+        <a:latin typeface="+mn-lt"/>
+        <a:ea typeface="+mn-ea"/>
+        <a:cs typeface="+mn-cs"/>
+      </a:defRPr>
+    </a:lvl8pPr>
+    <a:lvl9pPr marL="3657600" algn="l" defTabSz="914400" rtl="0" eaLnBrk="1" latinLnBrk="0" hangingPunct="1">
+      <a:defRPr sz="1800" kern="1200">
+        <a:solidFill>
+          <a:schemeClr val="tx1"/>
+        </a:solidFill>
+        <a:latin typeface="+mn-lt"/>
+        <a:ea typeface="+mn-ea"/>
+        <a:cs typeface="+mn-cs"/>
+      </a:defRPr>
+    </a:lvl9pPr>
+  </p:defaultTextStyle>
 </p:presentation>
 </file>
 
 <file path=ppt/slideLayouts/slideLayout1.xml><?xml version="1.0" encoding="utf-8"?>
-<p:sldLayout xmlns:a="http://schemas.openxmlformats.org/drawingml/2006/main" xmlns:p="http://schemas.openxmlformats.org/presentationml/2006/main" xmlns:r="http://schemas.openxmlformats.org/officeDocument/2006/relationships" xmlns:p14="http://schemas.microsoft.com/office/powerpoint/2010/main" xmlns:p15="http://schemas.microsoft.com/office/powerpoint/2012/main" xmlns:mc="http://schemas.openxmlformats.org/markup-compatibility/2006" type="blank" preserve="1">
+<p:sldLayout xmlns:a="http://schemas.openxmlformats.org/drawingml/2006/main" xmlns:r="http://schemas.openxmlformats.org/officeDocument/2006/relationships" xmlns:p="http://schemas.openxmlformats.org/presentationml/2006/main" type="blank" preserve="1">
   <p:cSld name="Blank Slide">
     <p:spTree>
       <p:nvGrpSpPr>
@@ -35,11 +130,14 @@
       </p:grpSpPr>
     </p:spTree>
   </p:cSld>
+  <p:clrMapOvr>
+    <a:masterClrMapping/>
+  </p:clrMapOvr>
 </p:sldLayout>
 </file>
 
 <file path=ppt/slideLayouts/slideLayout10.xml><?xml version="1.0" encoding="utf-8"?>
-<p:sldLayout xmlns:a="http://schemas.openxmlformats.org/drawingml/2006/main" xmlns:p="http://schemas.openxmlformats.org/presentationml/2006/main" xmlns:r="http://schemas.openxmlformats.org/officeDocument/2006/relationships" xmlns:p14="http://schemas.microsoft.com/office/powerpoint/2010/main" xmlns:p15="http://schemas.microsoft.com/office/powerpoint/2012/main" xmlns:mc="http://schemas.openxmlformats.org/markup-compatibility/2006" type="objOverTx" preserve="1">
+<p:sldLayout xmlns:a="http://schemas.openxmlformats.org/drawingml/2006/main" xmlns:r="http://schemas.openxmlformats.org/officeDocument/2006/relationships" xmlns:p="http://schemas.openxmlformats.org/presentationml/2006/main" type="objOverTx" preserve="1">
   <p:cSld name="Title, Content over Content">
     <p:spTree>
       <p:nvGrpSpPr>
@@ -75,9 +173,10 @@
           </a:prstGeom>
         </p:spPr>
         <p:txBody>
-          <a:bodyPr lIns="0" rIns="0" tIns="0" bIns="0" anchor="ctr"/>
-          <a:p>
-            <a:endParaRPr b="0" lang="pt-BR" sz="1800" spc="-1" strike="noStrike">
+          <a:bodyPr lIns="0" tIns="0" rIns="0" bIns="0" anchor="ctr"/>
+          <a:lstStyle/>
+          <a:p>
+            <a:endParaRPr lang="pt-BR" sz="1800" b="0" strike="noStrike" spc="-1">
               <a:solidFill>
                 <a:srgbClr val="000000"/>
               </a:solidFill>
@@ -106,11 +205,12 @@
           </a:prstGeom>
         </p:spPr>
         <p:txBody>
-          <a:bodyPr lIns="0" rIns="0" tIns="0" bIns="0">
+          <a:bodyPr lIns="0" tIns="0" rIns="0" bIns="0">
             <a:normAutofit/>
           </a:bodyPr>
-          <a:p>
-            <a:endParaRPr b="0" lang="pt-BR" sz="3200" spc="-1" strike="noStrike">
+          <a:lstStyle/>
+          <a:p>
+            <a:endParaRPr lang="pt-BR" sz="3200" b="0" strike="noStrike" spc="-1">
               <a:solidFill>
                 <a:srgbClr val="000000"/>
               </a:solidFill>
@@ -139,11 +239,12 @@
           </a:prstGeom>
         </p:spPr>
         <p:txBody>
-          <a:bodyPr lIns="0" rIns="0" tIns="0" bIns="0">
+          <a:bodyPr lIns="0" tIns="0" rIns="0" bIns="0">
             <a:normAutofit/>
           </a:bodyPr>
-          <a:p>
-            <a:endParaRPr b="0" lang="pt-BR" sz="3200" spc="-1" strike="noStrike">
+          <a:lstStyle/>
+          <a:p>
+            <a:endParaRPr lang="pt-BR" sz="3200" b="0" strike="noStrike" spc="-1">
               <a:solidFill>
                 <a:srgbClr val="000000"/>
               </a:solidFill>
@@ -154,11 +255,14 @@
       </p:sp>
     </p:spTree>
   </p:cSld>
+  <p:clrMapOvr>
+    <a:masterClrMapping/>
+  </p:clrMapOvr>
 </p:sldLayout>
 </file>
 
 <file path=ppt/slideLayouts/slideLayout11.xml><?xml version="1.0" encoding="utf-8"?>
-<p:sldLayout xmlns:a="http://schemas.openxmlformats.org/drawingml/2006/main" xmlns:p="http://schemas.openxmlformats.org/presentationml/2006/main" xmlns:r="http://schemas.openxmlformats.org/officeDocument/2006/relationships" xmlns:p14="http://schemas.microsoft.com/office/powerpoint/2010/main" xmlns:p15="http://schemas.microsoft.com/office/powerpoint/2012/main" xmlns:mc="http://schemas.openxmlformats.org/markup-compatibility/2006" type="fourObj" preserve="1">
+<p:sldLayout xmlns:a="http://schemas.openxmlformats.org/drawingml/2006/main" xmlns:r="http://schemas.openxmlformats.org/officeDocument/2006/relationships" xmlns:p="http://schemas.openxmlformats.org/presentationml/2006/main" type="fourObj" preserve="1">
   <p:cSld name="Title, 4 Content">
     <p:spTree>
       <p:nvGrpSpPr>
@@ -194,9 +298,10 @@
           </a:prstGeom>
         </p:spPr>
         <p:txBody>
-          <a:bodyPr lIns="0" rIns="0" tIns="0" bIns="0" anchor="ctr"/>
-          <a:p>
-            <a:endParaRPr b="0" lang="pt-BR" sz="1800" spc="-1" strike="noStrike">
+          <a:bodyPr lIns="0" tIns="0" rIns="0" bIns="0" anchor="ctr"/>
+          <a:lstStyle/>
+          <a:p>
+            <a:endParaRPr lang="pt-BR" sz="1800" b="0" strike="noStrike" spc="-1">
               <a:solidFill>
                 <a:srgbClr val="000000"/>
               </a:solidFill>
@@ -225,11 +330,12 @@
           </a:prstGeom>
         </p:spPr>
         <p:txBody>
-          <a:bodyPr lIns="0" rIns="0" tIns="0" bIns="0">
+          <a:bodyPr lIns="0" tIns="0" rIns="0" bIns="0">
             <a:normAutofit/>
           </a:bodyPr>
-          <a:p>
-            <a:endParaRPr b="0" lang="pt-BR" sz="3200" spc="-1" strike="noStrike">
+          <a:lstStyle/>
+          <a:p>
+            <a:endParaRPr lang="pt-BR" sz="3200" b="0" strike="noStrike" spc="-1">
               <a:solidFill>
                 <a:srgbClr val="000000"/>
               </a:solidFill>
@@ -258,11 +364,12 @@
           </a:prstGeom>
         </p:spPr>
         <p:txBody>
-          <a:bodyPr lIns="0" rIns="0" tIns="0" bIns="0">
+          <a:bodyPr lIns="0" tIns="0" rIns="0" bIns="0">
             <a:normAutofit/>
           </a:bodyPr>
-          <a:p>
-            <a:endParaRPr b="0" lang="pt-BR" sz="3200" spc="-1" strike="noStrike">
+          <a:lstStyle/>
+          <a:p>
+            <a:endParaRPr lang="pt-BR" sz="3200" b="0" strike="noStrike" spc="-1">
               <a:solidFill>
                 <a:srgbClr val="000000"/>
               </a:solidFill>
@@ -291,11 +398,12 @@
           </a:prstGeom>
         </p:spPr>
         <p:txBody>
-          <a:bodyPr lIns="0" rIns="0" tIns="0" bIns="0">
+          <a:bodyPr lIns="0" tIns="0" rIns="0" bIns="0">
             <a:normAutofit/>
           </a:bodyPr>
-          <a:p>
-            <a:endParaRPr b="0" lang="pt-BR" sz="3200" spc="-1" strike="noStrike">
+          <a:lstStyle/>
+          <a:p>
+            <a:endParaRPr lang="pt-BR" sz="3200" b="0" strike="noStrike" spc="-1">
               <a:solidFill>
                 <a:srgbClr val="000000"/>
               </a:solidFill>
@@ -324,11 +432,12 @@
           </a:prstGeom>
         </p:spPr>
         <p:txBody>
-          <a:bodyPr lIns="0" rIns="0" tIns="0" bIns="0">
+          <a:bodyPr lIns="0" tIns="0" rIns="0" bIns="0">
             <a:normAutofit/>
           </a:bodyPr>
-          <a:p>
-            <a:endParaRPr b="0" lang="pt-BR" sz="3200" spc="-1" strike="noStrike">
+          <a:lstStyle/>
+          <a:p>
+            <a:endParaRPr lang="pt-BR" sz="3200" b="0" strike="noStrike" spc="-1">
               <a:solidFill>
                 <a:srgbClr val="000000"/>
               </a:solidFill>
@@ -339,11 +448,14 @@
       </p:sp>
     </p:spTree>
   </p:cSld>
+  <p:clrMapOvr>
+    <a:masterClrMapping/>
+  </p:clrMapOvr>
 </p:sldLayout>
 </file>
 
 <file path=ppt/slideLayouts/slideLayout12.xml><?xml version="1.0" encoding="utf-8"?>
-<p:sldLayout xmlns:a="http://schemas.openxmlformats.org/drawingml/2006/main" xmlns:p="http://schemas.openxmlformats.org/presentationml/2006/main" xmlns:r="http://schemas.openxmlformats.org/officeDocument/2006/relationships" xmlns:p14="http://schemas.microsoft.com/office/powerpoint/2010/main" xmlns:p15="http://schemas.microsoft.com/office/powerpoint/2012/main" xmlns:mc="http://schemas.openxmlformats.org/markup-compatibility/2006" type="blank" preserve="1">
+<p:sldLayout xmlns:a="http://schemas.openxmlformats.org/drawingml/2006/main" xmlns:r="http://schemas.openxmlformats.org/officeDocument/2006/relationships" xmlns:p="http://schemas.openxmlformats.org/presentationml/2006/main" type="blank" preserve="1">
   <p:cSld name="Title, 6 Content">
     <p:spTree>
       <p:nvGrpSpPr>
@@ -379,9 +491,10 @@
           </a:prstGeom>
         </p:spPr>
         <p:txBody>
-          <a:bodyPr lIns="0" rIns="0" tIns="0" bIns="0" anchor="ctr"/>
-          <a:p>
-            <a:endParaRPr b="0" lang="pt-BR" sz="1800" spc="-1" strike="noStrike">
+          <a:bodyPr lIns="0" tIns="0" rIns="0" bIns="0" anchor="ctr"/>
+          <a:lstStyle/>
+          <a:p>
+            <a:endParaRPr lang="pt-BR" sz="1800" b="0" strike="noStrike" spc="-1">
               <a:solidFill>
                 <a:srgbClr val="000000"/>
               </a:solidFill>
@@ -410,11 +523,12 @@
           </a:prstGeom>
         </p:spPr>
         <p:txBody>
-          <a:bodyPr lIns="0" rIns="0" tIns="0" bIns="0">
+          <a:bodyPr lIns="0" tIns="0" rIns="0" bIns="0">
             <a:normAutofit/>
           </a:bodyPr>
-          <a:p>
-            <a:endParaRPr b="0" lang="pt-BR" sz="3200" spc="-1" strike="noStrike">
+          <a:lstStyle/>
+          <a:p>
+            <a:endParaRPr lang="pt-BR" sz="3200" b="0" strike="noStrike" spc="-1">
               <a:solidFill>
                 <a:srgbClr val="000000"/>
               </a:solidFill>
@@ -443,11 +557,12 @@
           </a:prstGeom>
         </p:spPr>
         <p:txBody>
-          <a:bodyPr lIns="0" rIns="0" tIns="0" bIns="0">
+          <a:bodyPr lIns="0" tIns="0" rIns="0" bIns="0">
             <a:normAutofit/>
           </a:bodyPr>
-          <a:p>
-            <a:endParaRPr b="0" lang="pt-BR" sz="3200" spc="-1" strike="noStrike">
+          <a:lstStyle/>
+          <a:p>
+            <a:endParaRPr lang="pt-BR" sz="3200" b="0" strike="noStrike" spc="-1">
               <a:solidFill>
                 <a:srgbClr val="000000"/>
               </a:solidFill>
@@ -476,11 +591,12 @@
           </a:prstGeom>
         </p:spPr>
         <p:txBody>
-          <a:bodyPr lIns="0" rIns="0" tIns="0" bIns="0">
+          <a:bodyPr lIns="0" tIns="0" rIns="0" bIns="0">
             <a:normAutofit/>
           </a:bodyPr>
-          <a:p>
-            <a:endParaRPr b="0" lang="pt-BR" sz="3200" spc="-1" strike="noStrike">
+          <a:lstStyle/>
+          <a:p>
+            <a:endParaRPr lang="pt-BR" sz="3200" b="0" strike="noStrike" spc="-1">
               <a:solidFill>
                 <a:srgbClr val="000000"/>
               </a:solidFill>
@@ -509,11 +625,12 @@
           </a:prstGeom>
         </p:spPr>
         <p:txBody>
-          <a:bodyPr lIns="0" rIns="0" tIns="0" bIns="0">
+          <a:bodyPr lIns="0" tIns="0" rIns="0" bIns="0">
             <a:normAutofit/>
           </a:bodyPr>
-          <a:p>
-            <a:endParaRPr b="0" lang="pt-BR" sz="3200" spc="-1" strike="noStrike">
+          <a:lstStyle/>
+          <a:p>
+            <a:endParaRPr lang="pt-BR" sz="3200" b="0" strike="noStrike" spc="-1">
               <a:solidFill>
                 <a:srgbClr val="000000"/>
               </a:solidFill>
@@ -542,11 +659,12 @@
           </a:prstGeom>
         </p:spPr>
         <p:txBody>
-          <a:bodyPr lIns="0" rIns="0" tIns="0" bIns="0">
+          <a:bodyPr lIns="0" tIns="0" rIns="0" bIns="0">
             <a:normAutofit/>
           </a:bodyPr>
-          <a:p>
-            <a:endParaRPr b="0" lang="pt-BR" sz="3200" spc="-1" strike="noStrike">
+          <a:lstStyle/>
+          <a:p>
+            <a:endParaRPr lang="pt-BR" sz="3200" b="0" strike="noStrike" spc="-1">
               <a:solidFill>
                 <a:srgbClr val="000000"/>
               </a:solidFill>
@@ -575,11 +693,12 @@
           </a:prstGeom>
         </p:spPr>
         <p:txBody>
-          <a:bodyPr lIns="0" rIns="0" tIns="0" bIns="0">
+          <a:bodyPr lIns="0" tIns="0" rIns="0" bIns="0">
             <a:normAutofit/>
           </a:bodyPr>
-          <a:p>
-            <a:endParaRPr b="0" lang="pt-BR" sz="3200" spc="-1" strike="noStrike">
+          <a:lstStyle/>
+          <a:p>
+            <a:endParaRPr lang="pt-BR" sz="3200" b="0" strike="noStrike" spc="-1">
               <a:solidFill>
                 <a:srgbClr val="000000"/>
               </a:solidFill>
@@ -590,11 +709,14 @@
       </p:sp>
     </p:spTree>
   </p:cSld>
+  <p:clrMapOvr>
+    <a:masterClrMapping/>
+  </p:clrMapOvr>
 </p:sldLayout>
 </file>
 
 <file path=ppt/slideLayouts/slideLayout2.xml><?xml version="1.0" encoding="utf-8"?>
-<p:sldLayout xmlns:a="http://schemas.openxmlformats.org/drawingml/2006/main" xmlns:p="http://schemas.openxmlformats.org/presentationml/2006/main" xmlns:r="http://schemas.openxmlformats.org/officeDocument/2006/relationships" xmlns:p14="http://schemas.microsoft.com/office/powerpoint/2010/main" xmlns:p15="http://schemas.microsoft.com/office/powerpoint/2012/main" xmlns:mc="http://schemas.openxmlformats.org/markup-compatibility/2006" type="tx" preserve="1">
+<p:sldLayout xmlns:a="http://schemas.openxmlformats.org/drawingml/2006/main" xmlns:r="http://schemas.openxmlformats.org/officeDocument/2006/relationships" xmlns:p="http://schemas.openxmlformats.org/presentationml/2006/main" type="tx" preserve="1">
   <p:cSld name="Title Slide">
     <p:spTree>
       <p:nvGrpSpPr>
@@ -630,9 +752,10 @@
           </a:prstGeom>
         </p:spPr>
         <p:txBody>
-          <a:bodyPr lIns="0" rIns="0" tIns="0" bIns="0" anchor="ctr"/>
-          <a:p>
-            <a:endParaRPr b="0" lang="pt-BR" sz="1800" spc="-1" strike="noStrike">
+          <a:bodyPr lIns="0" tIns="0" rIns="0" bIns="0" anchor="ctr"/>
+          <a:lstStyle/>
+          <a:p>
+            <a:endParaRPr lang="pt-BR" sz="1800" b="0" strike="noStrike" spc="-1">
               <a:solidFill>
                 <a:srgbClr val="000000"/>
               </a:solidFill>
@@ -661,10 +784,11 @@
           </a:prstGeom>
         </p:spPr>
         <p:txBody>
-          <a:bodyPr lIns="0" rIns="0" tIns="0" bIns="0" anchor="ctr"/>
+          <a:bodyPr lIns="0" tIns="0" rIns="0" bIns="0" anchor="ctr"/>
+          <a:lstStyle/>
           <a:p>
             <a:pPr algn="ctr"/>
-            <a:endParaRPr b="0" lang="pt-BR" sz="3200" spc="-1" strike="noStrike">
+            <a:endParaRPr lang="pt-BR" sz="3200" b="0" strike="noStrike" spc="-1">
               <a:latin typeface="Arial"/>
             </a:endParaRPr>
           </a:p>
@@ -672,11 +796,14 @@
       </p:sp>
     </p:spTree>
   </p:cSld>
+  <p:clrMapOvr>
+    <a:masterClrMapping/>
+  </p:clrMapOvr>
 </p:sldLayout>
 </file>
 
 <file path=ppt/slideLayouts/slideLayout3.xml><?xml version="1.0" encoding="utf-8"?>
-<p:sldLayout xmlns:a="http://schemas.openxmlformats.org/drawingml/2006/main" xmlns:p="http://schemas.openxmlformats.org/presentationml/2006/main" xmlns:r="http://schemas.openxmlformats.org/officeDocument/2006/relationships" xmlns:p14="http://schemas.microsoft.com/office/powerpoint/2010/main" xmlns:p15="http://schemas.microsoft.com/office/powerpoint/2012/main" xmlns:mc="http://schemas.openxmlformats.org/markup-compatibility/2006" type="obj" preserve="1">
+<p:sldLayout xmlns:a="http://schemas.openxmlformats.org/drawingml/2006/main" xmlns:r="http://schemas.openxmlformats.org/officeDocument/2006/relationships" xmlns:p="http://schemas.openxmlformats.org/presentationml/2006/main" type="obj" preserve="1">
   <p:cSld name="Title, Content">
     <p:spTree>
       <p:nvGrpSpPr>
@@ -712,9 +839,10 @@
           </a:prstGeom>
         </p:spPr>
         <p:txBody>
-          <a:bodyPr lIns="0" rIns="0" tIns="0" bIns="0" anchor="ctr"/>
-          <a:p>
-            <a:endParaRPr b="0" lang="pt-BR" sz="1800" spc="-1" strike="noStrike">
+          <a:bodyPr lIns="0" tIns="0" rIns="0" bIns="0" anchor="ctr"/>
+          <a:lstStyle/>
+          <a:p>
+            <a:endParaRPr lang="pt-BR" sz="1800" b="0" strike="noStrike" spc="-1">
               <a:solidFill>
                 <a:srgbClr val="000000"/>
               </a:solidFill>
@@ -743,11 +871,12 @@
           </a:prstGeom>
         </p:spPr>
         <p:txBody>
-          <a:bodyPr lIns="0" rIns="0" tIns="0" bIns="0">
+          <a:bodyPr lIns="0" tIns="0" rIns="0" bIns="0">
             <a:normAutofit/>
           </a:bodyPr>
-          <a:p>
-            <a:endParaRPr b="0" lang="pt-BR" sz="3200" spc="-1" strike="noStrike">
+          <a:lstStyle/>
+          <a:p>
+            <a:endParaRPr lang="pt-BR" sz="3200" b="0" strike="noStrike" spc="-1">
               <a:solidFill>
                 <a:srgbClr val="000000"/>
               </a:solidFill>
@@ -758,11 +887,14 @@
       </p:sp>
     </p:spTree>
   </p:cSld>
+  <p:clrMapOvr>
+    <a:masterClrMapping/>
+  </p:clrMapOvr>
 </p:sldLayout>
 </file>
 
 <file path=ppt/slideLayouts/slideLayout4.xml><?xml version="1.0" encoding="utf-8"?>
-<p:sldLayout xmlns:a="http://schemas.openxmlformats.org/drawingml/2006/main" xmlns:p="http://schemas.openxmlformats.org/presentationml/2006/main" xmlns:r="http://schemas.openxmlformats.org/officeDocument/2006/relationships" xmlns:p14="http://schemas.microsoft.com/office/powerpoint/2010/main" xmlns:p15="http://schemas.microsoft.com/office/powerpoint/2012/main" xmlns:mc="http://schemas.openxmlformats.org/markup-compatibility/2006" type="twoObj" preserve="1">
+<p:sldLayout xmlns:a="http://schemas.openxmlformats.org/drawingml/2006/main" xmlns:r="http://schemas.openxmlformats.org/officeDocument/2006/relationships" xmlns:p="http://schemas.openxmlformats.org/presentationml/2006/main" type="twoObj" preserve="1">
   <p:cSld name="Title, 2 Content">
     <p:spTree>
       <p:nvGrpSpPr>
@@ -798,9 +930,10 @@
           </a:prstGeom>
         </p:spPr>
         <p:txBody>
-          <a:bodyPr lIns="0" rIns="0" tIns="0" bIns="0" anchor="ctr"/>
-          <a:p>
-            <a:endParaRPr b="0" lang="pt-BR" sz="1800" spc="-1" strike="noStrike">
+          <a:bodyPr lIns="0" tIns="0" rIns="0" bIns="0" anchor="ctr"/>
+          <a:lstStyle/>
+          <a:p>
+            <a:endParaRPr lang="pt-BR" sz="1800" b="0" strike="noStrike" spc="-1">
               <a:solidFill>
                 <a:srgbClr val="000000"/>
               </a:solidFill>
@@ -829,11 +962,12 @@
           </a:prstGeom>
         </p:spPr>
         <p:txBody>
-          <a:bodyPr lIns="0" rIns="0" tIns="0" bIns="0">
+          <a:bodyPr lIns="0" tIns="0" rIns="0" bIns="0">
             <a:normAutofit/>
           </a:bodyPr>
-          <a:p>
-            <a:endParaRPr b="0" lang="pt-BR" sz="3200" spc="-1" strike="noStrike">
+          <a:lstStyle/>
+          <a:p>
+            <a:endParaRPr lang="pt-BR" sz="3200" b="0" strike="noStrike" spc="-1">
               <a:solidFill>
                 <a:srgbClr val="000000"/>
               </a:solidFill>
@@ -862,11 +996,12 @@
           </a:prstGeom>
         </p:spPr>
         <p:txBody>
-          <a:bodyPr lIns="0" rIns="0" tIns="0" bIns="0">
+          <a:bodyPr lIns="0" tIns="0" rIns="0" bIns="0">
             <a:normAutofit/>
           </a:bodyPr>
-          <a:p>
-            <a:endParaRPr b="0" lang="pt-BR" sz="3200" spc="-1" strike="noStrike">
+          <a:lstStyle/>
+          <a:p>
+            <a:endParaRPr lang="pt-BR" sz="3200" b="0" strike="noStrike" spc="-1">
               <a:solidFill>
                 <a:srgbClr val="000000"/>
               </a:solidFill>
@@ -877,11 +1012,14 @@
       </p:sp>
     </p:spTree>
   </p:cSld>
+  <p:clrMapOvr>
+    <a:masterClrMapping/>
+  </p:clrMapOvr>
 </p:sldLayout>
 </file>
 
 <file path=ppt/slideLayouts/slideLayout5.xml><?xml version="1.0" encoding="utf-8"?>
-<p:sldLayout xmlns:a="http://schemas.openxmlformats.org/drawingml/2006/main" xmlns:p="http://schemas.openxmlformats.org/presentationml/2006/main" xmlns:r="http://schemas.openxmlformats.org/officeDocument/2006/relationships" xmlns:p14="http://schemas.microsoft.com/office/powerpoint/2010/main" xmlns:p15="http://schemas.microsoft.com/office/powerpoint/2012/main" xmlns:mc="http://schemas.openxmlformats.org/markup-compatibility/2006" type="titleOnly" preserve="1">
+<p:sldLayout xmlns:a="http://schemas.openxmlformats.org/drawingml/2006/main" xmlns:r="http://schemas.openxmlformats.org/officeDocument/2006/relationships" xmlns:p="http://schemas.openxmlformats.org/presentationml/2006/main" type="titleOnly" preserve="1">
   <p:cSld name="Title Only">
     <p:spTree>
       <p:nvGrpSpPr>
@@ -917,9 +1055,10 @@
           </a:prstGeom>
         </p:spPr>
         <p:txBody>
-          <a:bodyPr lIns="0" rIns="0" tIns="0" bIns="0" anchor="ctr"/>
-          <a:p>
-            <a:endParaRPr b="0" lang="pt-BR" sz="1800" spc="-1" strike="noStrike">
+          <a:bodyPr lIns="0" tIns="0" rIns="0" bIns="0" anchor="ctr"/>
+          <a:lstStyle/>
+          <a:p>
+            <a:endParaRPr lang="pt-BR" sz="1800" b="0" strike="noStrike" spc="-1">
               <a:solidFill>
                 <a:srgbClr val="000000"/>
               </a:solidFill>
@@ -930,11 +1069,14 @@
       </p:sp>
     </p:spTree>
   </p:cSld>
+  <p:clrMapOvr>
+    <a:masterClrMapping/>
+  </p:clrMapOvr>
 </p:sldLayout>
 </file>
 
 <file path=ppt/slideLayouts/slideLayout6.xml><?xml version="1.0" encoding="utf-8"?>
-<p:sldLayout xmlns:a="http://schemas.openxmlformats.org/drawingml/2006/main" xmlns:p="http://schemas.openxmlformats.org/presentationml/2006/main" xmlns:r="http://schemas.openxmlformats.org/officeDocument/2006/relationships" xmlns:p14="http://schemas.microsoft.com/office/powerpoint/2010/main" xmlns:p15="http://schemas.microsoft.com/office/powerpoint/2012/main" xmlns:mc="http://schemas.openxmlformats.org/markup-compatibility/2006" type="objOnly" preserve="1">
+<p:sldLayout xmlns:a="http://schemas.openxmlformats.org/drawingml/2006/main" xmlns:r="http://schemas.openxmlformats.org/officeDocument/2006/relationships" xmlns:p="http://schemas.openxmlformats.org/presentationml/2006/main" type="objOnly" preserve="1">
   <p:cSld name="Centered Text">
     <p:spTree>
       <p:nvGrpSpPr>
@@ -970,10 +1112,11 @@
           </a:prstGeom>
         </p:spPr>
         <p:txBody>
-          <a:bodyPr lIns="0" rIns="0" tIns="0" bIns="0" anchor="ctr"/>
+          <a:bodyPr lIns="0" tIns="0" rIns="0" bIns="0" anchor="ctr"/>
+          <a:lstStyle/>
           <a:p>
             <a:pPr algn="ctr"/>
-            <a:endParaRPr b="0" lang="pt-BR" sz="3200" spc="-1" strike="noStrike">
+            <a:endParaRPr lang="pt-BR" sz="3200" b="0" strike="noStrike" spc="-1">
               <a:latin typeface="Arial"/>
             </a:endParaRPr>
           </a:p>
@@ -981,11 +1124,14 @@
       </p:sp>
     </p:spTree>
   </p:cSld>
+  <p:clrMapOvr>
+    <a:masterClrMapping/>
+  </p:clrMapOvr>
 </p:sldLayout>
 </file>
 
 <file path=ppt/slideLayouts/slideLayout7.xml><?xml version="1.0" encoding="utf-8"?>
-<p:sldLayout xmlns:a="http://schemas.openxmlformats.org/drawingml/2006/main" xmlns:p="http://schemas.openxmlformats.org/presentationml/2006/main" xmlns:r="http://schemas.openxmlformats.org/officeDocument/2006/relationships" xmlns:p14="http://schemas.microsoft.com/office/powerpoint/2010/main" xmlns:p15="http://schemas.microsoft.com/office/powerpoint/2012/main" xmlns:mc="http://schemas.openxmlformats.org/markup-compatibility/2006" type="twoObjAndObj" preserve="1">
+<p:sldLayout xmlns:a="http://schemas.openxmlformats.org/drawingml/2006/main" xmlns:r="http://schemas.openxmlformats.org/officeDocument/2006/relationships" xmlns:p="http://schemas.openxmlformats.org/presentationml/2006/main" type="twoObjAndObj" preserve="1">
   <p:cSld name="Title, 2 Content and Content">
     <p:spTree>
       <p:nvGrpSpPr>
@@ -1021,9 +1167,10 @@
           </a:prstGeom>
         </p:spPr>
         <p:txBody>
-          <a:bodyPr lIns="0" rIns="0" tIns="0" bIns="0" anchor="ctr"/>
-          <a:p>
-            <a:endParaRPr b="0" lang="pt-BR" sz="1800" spc="-1" strike="noStrike">
+          <a:bodyPr lIns="0" tIns="0" rIns="0" bIns="0" anchor="ctr"/>
+          <a:lstStyle/>
+          <a:p>
+            <a:endParaRPr lang="pt-BR" sz="1800" b="0" strike="noStrike" spc="-1">
               <a:solidFill>
                 <a:srgbClr val="000000"/>
               </a:solidFill>
@@ -1052,11 +1199,12 @@
           </a:prstGeom>
         </p:spPr>
         <p:txBody>
-          <a:bodyPr lIns="0" rIns="0" tIns="0" bIns="0">
+          <a:bodyPr lIns="0" tIns="0" rIns="0" bIns="0">
             <a:normAutofit/>
           </a:bodyPr>
-          <a:p>
-            <a:endParaRPr b="0" lang="pt-BR" sz="3200" spc="-1" strike="noStrike">
+          <a:lstStyle/>
+          <a:p>
+            <a:endParaRPr lang="pt-BR" sz="3200" b="0" strike="noStrike" spc="-1">
               <a:solidFill>
                 <a:srgbClr val="000000"/>
               </a:solidFill>
@@ -1085,11 +1233,12 @@
           </a:prstGeom>
         </p:spPr>
         <p:txBody>
-          <a:bodyPr lIns="0" rIns="0" tIns="0" bIns="0">
+          <a:bodyPr lIns="0" tIns="0" rIns="0" bIns="0">
             <a:normAutofit/>
           </a:bodyPr>
-          <a:p>
-            <a:endParaRPr b="0" lang="pt-BR" sz="3200" spc="-1" strike="noStrike">
+          <a:lstStyle/>
+          <a:p>
+            <a:endParaRPr lang="pt-BR" sz="3200" b="0" strike="noStrike" spc="-1">
               <a:solidFill>
                 <a:srgbClr val="000000"/>
               </a:solidFill>
@@ -1118,11 +1267,12 @@
           </a:prstGeom>
         </p:spPr>
         <p:txBody>
-          <a:bodyPr lIns="0" rIns="0" tIns="0" bIns="0">
+          <a:bodyPr lIns="0" tIns="0" rIns="0" bIns="0">
             <a:normAutofit/>
           </a:bodyPr>
-          <a:p>
-            <a:endParaRPr b="0" lang="pt-BR" sz="3200" spc="-1" strike="noStrike">
+          <a:lstStyle/>
+          <a:p>
+            <a:endParaRPr lang="pt-BR" sz="3200" b="0" strike="noStrike" spc="-1">
               <a:solidFill>
                 <a:srgbClr val="000000"/>
               </a:solidFill>
@@ -1133,11 +1283,14 @@
       </p:sp>
     </p:spTree>
   </p:cSld>
+  <p:clrMapOvr>
+    <a:masterClrMapping/>
+  </p:clrMapOvr>
 </p:sldLayout>
 </file>
 
 <file path=ppt/slideLayouts/slideLayout8.xml><?xml version="1.0" encoding="utf-8"?>
-<p:sldLayout xmlns:a="http://schemas.openxmlformats.org/drawingml/2006/main" xmlns:p="http://schemas.openxmlformats.org/presentationml/2006/main" xmlns:r="http://schemas.openxmlformats.org/officeDocument/2006/relationships" xmlns:p14="http://schemas.microsoft.com/office/powerpoint/2010/main" xmlns:p15="http://schemas.microsoft.com/office/powerpoint/2012/main" xmlns:mc="http://schemas.openxmlformats.org/markup-compatibility/2006" type="objAndTwoObj" preserve="1">
+<p:sldLayout xmlns:a="http://schemas.openxmlformats.org/drawingml/2006/main" xmlns:r="http://schemas.openxmlformats.org/officeDocument/2006/relationships" xmlns:p="http://schemas.openxmlformats.org/presentationml/2006/main" type="objAndTwoObj" preserve="1">
   <p:cSld name="Title Content and 2 Content">
     <p:spTree>
       <p:nvGrpSpPr>
@@ -1173,9 +1326,10 @@
           </a:prstGeom>
         </p:spPr>
         <p:txBody>
-          <a:bodyPr lIns="0" rIns="0" tIns="0" bIns="0" anchor="ctr"/>
-          <a:p>
-            <a:endParaRPr b="0" lang="pt-BR" sz="1800" spc="-1" strike="noStrike">
+          <a:bodyPr lIns="0" tIns="0" rIns="0" bIns="0" anchor="ctr"/>
+          <a:lstStyle/>
+          <a:p>
+            <a:endParaRPr lang="pt-BR" sz="1800" b="0" strike="noStrike" spc="-1">
               <a:solidFill>
                 <a:srgbClr val="000000"/>
               </a:solidFill>
@@ -1204,11 +1358,12 @@
           </a:prstGeom>
         </p:spPr>
         <p:txBody>
-          <a:bodyPr lIns="0" rIns="0" tIns="0" bIns="0">
+          <a:bodyPr lIns="0" tIns="0" rIns="0" bIns="0">
             <a:normAutofit/>
           </a:bodyPr>
-          <a:p>
-            <a:endParaRPr b="0" lang="pt-BR" sz="3200" spc="-1" strike="noStrike">
+          <a:lstStyle/>
+          <a:p>
+            <a:endParaRPr lang="pt-BR" sz="3200" b="0" strike="noStrike" spc="-1">
               <a:solidFill>
                 <a:srgbClr val="000000"/>
               </a:solidFill>
@@ -1237,11 +1392,12 @@
           </a:prstGeom>
         </p:spPr>
         <p:txBody>
-          <a:bodyPr lIns="0" rIns="0" tIns="0" bIns="0">
+          <a:bodyPr lIns="0" tIns="0" rIns="0" bIns="0">
             <a:normAutofit/>
           </a:bodyPr>
-          <a:p>
-            <a:endParaRPr b="0" lang="pt-BR" sz="3200" spc="-1" strike="noStrike">
+          <a:lstStyle/>
+          <a:p>
+            <a:endParaRPr lang="pt-BR" sz="3200" b="0" strike="noStrike" spc="-1">
               <a:solidFill>
                 <a:srgbClr val="000000"/>
               </a:solidFill>
@@ -1270,11 +1426,12 @@
           </a:prstGeom>
         </p:spPr>
         <p:txBody>
-          <a:bodyPr lIns="0" rIns="0" tIns="0" bIns="0">
+          <a:bodyPr lIns="0" tIns="0" rIns="0" bIns="0">
             <a:normAutofit/>
           </a:bodyPr>
-          <a:p>
-            <a:endParaRPr b="0" lang="pt-BR" sz="3200" spc="-1" strike="noStrike">
+          <a:lstStyle/>
+          <a:p>
+            <a:endParaRPr lang="pt-BR" sz="3200" b="0" strike="noStrike" spc="-1">
               <a:solidFill>
                 <a:srgbClr val="000000"/>
               </a:solidFill>
@@ -1285,11 +1442,14 @@
       </p:sp>
     </p:spTree>
   </p:cSld>
+  <p:clrMapOvr>
+    <a:masterClrMapping/>
+  </p:clrMapOvr>
 </p:sldLayout>
 </file>
 
 <file path=ppt/slideLayouts/slideLayout9.xml><?xml version="1.0" encoding="utf-8"?>
-<p:sldLayout xmlns:a="http://schemas.openxmlformats.org/drawingml/2006/main" xmlns:p="http://schemas.openxmlformats.org/presentationml/2006/main" xmlns:r="http://schemas.openxmlformats.org/officeDocument/2006/relationships" xmlns:p14="http://schemas.microsoft.com/office/powerpoint/2010/main" xmlns:p15="http://schemas.microsoft.com/office/powerpoint/2012/main" xmlns:mc="http://schemas.openxmlformats.org/markup-compatibility/2006" type="twoObjOverTx" preserve="1">
+<p:sldLayout xmlns:a="http://schemas.openxmlformats.org/drawingml/2006/main" xmlns:r="http://schemas.openxmlformats.org/officeDocument/2006/relationships" xmlns:p="http://schemas.openxmlformats.org/presentationml/2006/main" type="twoObjOverTx" preserve="1">
   <p:cSld name="Title, 2 Content over Content">
     <p:spTree>
       <p:nvGrpSpPr>
@@ -1325,9 +1485,10 @@
           </a:prstGeom>
         </p:spPr>
         <p:txBody>
-          <a:bodyPr lIns="0" rIns="0" tIns="0" bIns="0" anchor="ctr"/>
-          <a:p>
-            <a:endParaRPr b="0" lang="pt-BR" sz="1800" spc="-1" strike="noStrike">
+          <a:bodyPr lIns="0" tIns="0" rIns="0" bIns="0" anchor="ctr"/>
+          <a:lstStyle/>
+          <a:p>
+            <a:endParaRPr lang="pt-BR" sz="1800" b="0" strike="noStrike" spc="-1">
               <a:solidFill>
                 <a:srgbClr val="000000"/>
               </a:solidFill>
@@ -1356,11 +1517,12 @@
           </a:prstGeom>
         </p:spPr>
         <p:txBody>
-          <a:bodyPr lIns="0" rIns="0" tIns="0" bIns="0">
+          <a:bodyPr lIns="0" tIns="0" rIns="0" bIns="0">
             <a:normAutofit/>
           </a:bodyPr>
-          <a:p>
-            <a:endParaRPr b="0" lang="pt-BR" sz="3200" spc="-1" strike="noStrike">
+          <a:lstStyle/>
+          <a:p>
+            <a:endParaRPr lang="pt-BR" sz="3200" b="0" strike="noStrike" spc="-1">
               <a:solidFill>
                 <a:srgbClr val="000000"/>
               </a:solidFill>
@@ -1389,11 +1551,12 @@
           </a:prstGeom>
         </p:spPr>
         <p:txBody>
-          <a:bodyPr lIns="0" rIns="0" tIns="0" bIns="0">
+          <a:bodyPr lIns="0" tIns="0" rIns="0" bIns="0">
             <a:normAutofit/>
           </a:bodyPr>
-          <a:p>
-            <a:endParaRPr b="0" lang="pt-BR" sz="3200" spc="-1" strike="noStrike">
+          <a:lstStyle/>
+          <a:p>
+            <a:endParaRPr lang="pt-BR" sz="3200" b="0" strike="noStrike" spc="-1">
               <a:solidFill>
                 <a:srgbClr val="000000"/>
               </a:solidFill>
@@ -1422,11 +1585,12 @@
           </a:prstGeom>
         </p:spPr>
         <p:txBody>
-          <a:bodyPr lIns="0" rIns="0" tIns="0" bIns="0">
+          <a:bodyPr lIns="0" tIns="0" rIns="0" bIns="0">
             <a:normAutofit/>
           </a:bodyPr>
-          <a:p>
-            <a:endParaRPr b="0" lang="pt-BR" sz="3200" spc="-1" strike="noStrike">
+          <a:lstStyle/>
+          <a:p>
+            <a:endParaRPr lang="pt-BR" sz="3200" b="0" strike="noStrike" spc="-1">
               <a:solidFill>
                 <a:srgbClr val="000000"/>
               </a:solidFill>
@@ -1437,17 +1601,21 @@
       </p:sp>
     </p:spTree>
   </p:cSld>
+  <p:clrMapOvr>
+    <a:masterClrMapping/>
+  </p:clrMapOvr>
 </p:sldLayout>
 </file>
 
 <file path=ppt/slideMasters/slideMaster1.xml><?xml version="1.0" encoding="utf-8"?>
-<p:sldMaster xmlns:a="http://schemas.openxmlformats.org/drawingml/2006/main" xmlns:p="http://schemas.openxmlformats.org/presentationml/2006/main" xmlns:r="http://schemas.openxmlformats.org/officeDocument/2006/relationships" xmlns:p14="http://schemas.microsoft.com/office/powerpoint/2010/main" xmlns:p15="http://schemas.microsoft.com/office/powerpoint/2012/main" xmlns:mc="http://schemas.openxmlformats.org/markup-compatibility/2006">
+<p:sldMaster xmlns:a="http://schemas.openxmlformats.org/drawingml/2006/main" xmlns:r="http://schemas.openxmlformats.org/officeDocument/2006/relationships" xmlns:p="http://schemas.openxmlformats.org/presentationml/2006/main">
   <p:cSld>
     <p:bg>
       <p:bgPr>
         <a:solidFill>
           <a:srgbClr val="000000"/>
         </a:solidFill>
+        <a:effectLst/>
       </p:bgPr>
     </p:bg>
     <p:spTree>
@@ -1466,7 +1634,7 @@
       </p:grpSpPr>
       <p:sp>
         <p:nvSpPr>
-          <p:cNvPr id="0" name="PlaceHolder 1"/>
+          <p:cNvPr id="5" name="PlaceHolder 1"/>
           <p:cNvSpPr>
             <a:spLocks noGrp="1"/>
           </p:cNvSpPr>
@@ -1485,6 +1653,7 @@
         </p:spPr>
         <p:txBody>
           <a:bodyPr anchor="ctr"/>
+          <a:lstStyle/>
           <a:p>
             <a:pPr algn="ctr">
               <a:lnSpc>
@@ -1492,7 +1661,7 @@
               </a:lnSpc>
             </a:pPr>
             <a:r>
-              <a:rPr b="0" lang="pt-BR" sz="4400" spc="-1" strike="noStrike">
+              <a:rPr lang="pt-BR" sz="4400" b="0" strike="noStrike" spc="-1">
                 <a:solidFill>
                   <a:srgbClr val="000000"/>
                 </a:solidFill>
@@ -1500,18 +1669,12 @@
               </a:rPr>
               <a:t>Clique para editar o estilo do título mestre</a:t>
             </a:r>
-            <a:endParaRPr b="0" lang="pt-BR" sz="4400" spc="-1" strike="noStrike">
-              <a:solidFill>
-                <a:srgbClr val="000000"/>
-              </a:solidFill>
-              <a:latin typeface="Calibri"/>
-            </a:endParaRPr>
-          </a:p>
-        </p:txBody>
-      </p:sp>
-      <p:sp>
-        <p:nvSpPr>
-          <p:cNvPr id="1" name="PlaceHolder 2"/>
+          </a:p>
+        </p:txBody>
+      </p:sp>
+      <p:sp>
+        <p:nvSpPr>
+          <p:cNvPr id="6" name="PlaceHolder 2"/>
           <p:cNvSpPr>
             <a:spLocks noGrp="1"/>
           </p:cNvSpPr>
@@ -1530,6 +1693,7 @@
         </p:spPr>
         <p:txBody>
           <a:bodyPr anchor="ctr"/>
+          <a:lstStyle/>
           <a:p>
             <a:pPr>
               <a:lnSpc>
@@ -1537,15 +1701,20 @@
               </a:lnSpc>
             </a:pPr>
             <a:fld id="{0271992B-2911-4474-B260-A9E44F5BF50E}" type="datetime">
-              <a:rPr b="0" lang="pt-BR" sz="1200" spc="-1" strike="noStrike">
-                <a:solidFill>
-                  <a:srgbClr val="8b8b8b"/>
+              <a:rPr lang="pt-BR" sz="1200" b="0" strike="noStrike" spc="-1">
+                <a:solidFill>
+                  <a:srgbClr val="8B8B8B"/>
                 </a:solidFill>
                 <a:latin typeface="Calibri"/>
               </a:rPr>
-              <a:t>08/05/18</a:t>
+              <a:pPr>
+                <a:lnSpc>
+                  <a:spcPct val="100000"/>
+                </a:lnSpc>
+              </a:pPr>
+              <a:t>14/05/2018</a:t>
             </a:fld>
-            <a:endParaRPr b="0" lang="pt-BR" sz="1200" spc="-1" strike="noStrike">
+            <a:endParaRPr lang="pt-BR" sz="1200" b="0" strike="noStrike" spc="-1">
               <a:latin typeface="Times New Roman"/>
             </a:endParaRPr>
           </a:p>
@@ -1572,8 +1741,9 @@
         </p:spPr>
         <p:txBody>
           <a:bodyPr anchor="ctr"/>
-          <a:p>
-            <a:endParaRPr b="0" lang="pt-BR" sz="2400" spc="-1" strike="noStrike">
+          <a:lstStyle/>
+          <a:p>
+            <a:endParaRPr lang="pt-BR" sz="2400" b="0" strike="noStrike" spc="-1">
               <a:latin typeface="Times New Roman"/>
             </a:endParaRPr>
           </a:p>
@@ -1600,6 +1770,7 @@
         </p:spPr>
         <p:txBody>
           <a:bodyPr anchor="ctr"/>
+          <a:lstStyle/>
           <a:p>
             <a:pPr algn="r">
               <a:lnSpc>
@@ -1607,15 +1778,20 @@
               </a:lnSpc>
             </a:pPr>
             <a:fld id="{4660683E-B0FF-4B9C-A68E-E72588AD55E7}" type="slidenum">
-              <a:rPr b="0" lang="pt-BR" sz="1200" spc="-1" strike="noStrike">
-                <a:solidFill>
-                  <a:srgbClr val="8b8b8b"/>
+              <a:rPr lang="pt-BR" sz="1200" b="0" strike="noStrike" spc="-1">
+                <a:solidFill>
+                  <a:srgbClr val="8B8B8B"/>
                 </a:solidFill>
                 <a:latin typeface="Calibri"/>
               </a:rPr>
-              <a:t>&lt;número&gt;</a:t>
+              <a:pPr algn="r">
+                <a:lnSpc>
+                  <a:spcPct val="100000"/>
+                </a:lnSpc>
+              </a:pPr>
+              <a:t>‹nº›</a:t>
             </a:fld>
-            <a:endParaRPr b="0" lang="pt-BR" sz="1200" spc="-1" strike="noStrike">
+            <a:endParaRPr lang="pt-BR" sz="1200" b="0" strike="noStrike" spc="-1">
               <a:latin typeface="Times New Roman"/>
             </a:endParaRPr>
           </a:p>
@@ -1641,23 +1817,24 @@
           </a:prstGeom>
         </p:spPr>
         <p:txBody>
-          <a:bodyPr lIns="0" rIns="0" tIns="0" bIns="0">
+          <a:bodyPr lIns="0" tIns="0" rIns="0" bIns="0">
             <a:normAutofit/>
           </a:bodyPr>
+          <a:lstStyle/>
           <a:p>
             <a:pPr marL="432000" indent="-324000">
               <a:spcBef>
                 <a:spcPts val="1417"/>
               </a:spcBef>
               <a:buClr>
-                <a:srgbClr val="ffffff"/>
+                <a:srgbClr val="FFFFFF"/>
               </a:buClr>
               <a:buSzPct val="45000"/>
               <a:buFont typeface="Wingdings" charset="2"/>
               <a:buChar char=""/>
             </a:pPr>
             <a:r>
-              <a:rPr b="0" lang="pt-BR" sz="3200" spc="-1" strike="noStrike">
+              <a:rPr lang="pt-BR" sz="3200" b="0" strike="noStrike" spc="-1">
                 <a:solidFill>
                   <a:srgbClr val="000000"/>
                 </a:solidFill>
@@ -1665,27 +1842,21 @@
               </a:rPr>
               <a:t>Clique para editar o formato do texto da estrutura de tópicos</a:t>
             </a:r>
-            <a:endParaRPr b="0" lang="pt-BR" sz="3200" spc="-1" strike="noStrike">
-              <a:solidFill>
-                <a:srgbClr val="000000"/>
-              </a:solidFill>
-              <a:latin typeface="Calibri"/>
-            </a:endParaRPr>
-          </a:p>
-          <a:p>
-            <a:pPr lvl="1" marL="864000" indent="-324000">
+          </a:p>
+          <a:p>
+            <a:pPr marL="864000" lvl="1" indent="-324000">
               <a:spcBef>
                 <a:spcPts val="1134"/>
               </a:spcBef>
               <a:buClr>
-                <a:srgbClr val="ffffff"/>
+                <a:srgbClr val="FFFFFF"/>
               </a:buClr>
               <a:buSzPct val="75000"/>
               <a:buFont typeface="Symbol" charset="2"/>
               <a:buChar char=""/>
             </a:pPr>
             <a:r>
-              <a:rPr b="0" lang="pt-BR" sz="2400" spc="-1" strike="noStrike">
+              <a:rPr lang="pt-BR" sz="2400" b="0" strike="noStrike" spc="-1">
                 <a:solidFill>
                   <a:srgbClr val="000000"/>
                 </a:solidFill>
@@ -1693,27 +1864,21 @@
               </a:rPr>
               <a:t>2.º nível da estrutura de tópicos</a:t>
             </a:r>
-            <a:endParaRPr b="0" lang="pt-BR" sz="2400" spc="-1" strike="noStrike">
-              <a:solidFill>
-                <a:srgbClr val="000000"/>
-              </a:solidFill>
-              <a:latin typeface="Calibri"/>
-            </a:endParaRPr>
-          </a:p>
-          <a:p>
-            <a:pPr lvl="2" marL="1296000" indent="-288000">
+          </a:p>
+          <a:p>
+            <a:pPr marL="1296000" lvl="2" indent="-288000">
               <a:spcBef>
                 <a:spcPts val="850"/>
               </a:spcBef>
               <a:buClr>
-                <a:srgbClr val="ffffff"/>
+                <a:srgbClr val="FFFFFF"/>
               </a:buClr>
               <a:buSzPct val="45000"/>
               <a:buFont typeface="Wingdings" charset="2"/>
               <a:buChar char=""/>
             </a:pPr>
             <a:r>
-              <a:rPr b="0" lang="pt-BR" sz="2000" spc="-1" strike="noStrike">
+              <a:rPr lang="pt-BR" sz="2000" b="0" strike="noStrike" spc="-1">
                 <a:solidFill>
                   <a:srgbClr val="000000"/>
                 </a:solidFill>
@@ -1721,27 +1886,21 @@
               </a:rPr>
               <a:t>3.º nível da estrutura de tópicos</a:t>
             </a:r>
-            <a:endParaRPr b="0" lang="pt-BR" sz="2000" spc="-1" strike="noStrike">
-              <a:solidFill>
-                <a:srgbClr val="000000"/>
-              </a:solidFill>
-              <a:latin typeface="Calibri"/>
-            </a:endParaRPr>
-          </a:p>
-          <a:p>
-            <a:pPr lvl="3" marL="1728000" indent="-216000">
+          </a:p>
+          <a:p>
+            <a:pPr marL="1728000" lvl="3" indent="-216000">
               <a:spcBef>
                 <a:spcPts val="567"/>
               </a:spcBef>
               <a:buClr>
-                <a:srgbClr val="ffffff"/>
+                <a:srgbClr val="FFFFFF"/>
               </a:buClr>
               <a:buSzPct val="75000"/>
               <a:buFont typeface="Symbol" charset="2"/>
               <a:buChar char=""/>
             </a:pPr>
             <a:r>
-              <a:rPr b="0" lang="pt-BR" sz="2000" spc="-1" strike="noStrike">
+              <a:rPr lang="pt-BR" sz="2000" b="0" strike="noStrike" spc="-1">
                 <a:solidFill>
                   <a:srgbClr val="000000"/>
                 </a:solidFill>
@@ -1749,27 +1908,21 @@
               </a:rPr>
               <a:t>4.º nível da estrutura de tópicos</a:t>
             </a:r>
-            <a:endParaRPr b="0" lang="pt-BR" sz="2000" spc="-1" strike="noStrike">
-              <a:solidFill>
-                <a:srgbClr val="000000"/>
-              </a:solidFill>
-              <a:latin typeface="Calibri"/>
-            </a:endParaRPr>
-          </a:p>
-          <a:p>
-            <a:pPr lvl="4" marL="2160000" indent="-216000">
+          </a:p>
+          <a:p>
+            <a:pPr marL="2160000" lvl="4" indent="-216000">
               <a:spcBef>
                 <a:spcPts val="283"/>
               </a:spcBef>
               <a:buClr>
-                <a:srgbClr val="ffffff"/>
+                <a:srgbClr val="FFFFFF"/>
               </a:buClr>
               <a:buSzPct val="45000"/>
               <a:buFont typeface="Wingdings" charset="2"/>
               <a:buChar char=""/>
             </a:pPr>
             <a:r>
-              <a:rPr b="0" lang="pt-BR" sz="2000" spc="-1" strike="noStrike">
+              <a:rPr lang="pt-BR" sz="2000" b="0" strike="noStrike" spc="-1">
                 <a:solidFill>
                   <a:srgbClr val="000000"/>
                 </a:solidFill>
@@ -1777,27 +1930,21 @@
               </a:rPr>
               <a:t>5.º nível da estrutura de tópicos</a:t>
             </a:r>
-            <a:endParaRPr b="0" lang="pt-BR" sz="2000" spc="-1" strike="noStrike">
-              <a:solidFill>
-                <a:srgbClr val="000000"/>
-              </a:solidFill>
-              <a:latin typeface="Calibri"/>
-            </a:endParaRPr>
-          </a:p>
-          <a:p>
-            <a:pPr lvl="5" marL="2592000" indent="-216000">
+          </a:p>
+          <a:p>
+            <a:pPr marL="2592000" lvl="5" indent="-216000">
               <a:spcBef>
                 <a:spcPts val="283"/>
               </a:spcBef>
               <a:buClr>
-                <a:srgbClr val="ffffff"/>
+                <a:srgbClr val="FFFFFF"/>
               </a:buClr>
               <a:buSzPct val="45000"/>
               <a:buFont typeface="Wingdings" charset="2"/>
               <a:buChar char=""/>
             </a:pPr>
             <a:r>
-              <a:rPr b="0" lang="pt-BR" sz="2000" spc="-1" strike="noStrike">
+              <a:rPr lang="pt-BR" sz="2000" b="0" strike="noStrike" spc="-1">
                 <a:solidFill>
                   <a:srgbClr val="000000"/>
                 </a:solidFill>
@@ -1805,27 +1952,21 @@
               </a:rPr>
               <a:t>6.º nível da estrutura de tópicos</a:t>
             </a:r>
-            <a:endParaRPr b="0" lang="pt-BR" sz="2000" spc="-1" strike="noStrike">
-              <a:solidFill>
-                <a:srgbClr val="000000"/>
-              </a:solidFill>
-              <a:latin typeface="Calibri"/>
-            </a:endParaRPr>
-          </a:p>
-          <a:p>
-            <a:pPr lvl="6" marL="3024000" indent="-216000">
+          </a:p>
+          <a:p>
+            <a:pPr marL="3024000" lvl="6" indent="-216000">
               <a:spcBef>
                 <a:spcPts val="283"/>
               </a:spcBef>
               <a:buClr>
-                <a:srgbClr val="ffffff"/>
+                <a:srgbClr val="FFFFFF"/>
               </a:buClr>
               <a:buSzPct val="45000"/>
               <a:buFont typeface="Wingdings" charset="2"/>
               <a:buChar char=""/>
             </a:pPr>
             <a:r>
-              <a:rPr b="0" lang="pt-BR" sz="2000" spc="-1" strike="noStrike">
+              <a:rPr lang="pt-BR" sz="2000" b="0" strike="noStrike" spc="-1">
                 <a:solidFill>
                   <a:srgbClr val="000000"/>
                 </a:solidFill>
@@ -1833,37 +1974,36 @@
               </a:rPr>
               <a:t>7.º nível da estrutura de tópicos</a:t>
             </a:r>
-            <a:endParaRPr b="0" lang="pt-BR" sz="2000" spc="-1" strike="noStrike">
-              <a:solidFill>
-                <a:srgbClr val="000000"/>
-              </a:solidFill>
-              <a:latin typeface="Calibri"/>
-            </a:endParaRPr>
           </a:p>
         </p:txBody>
       </p:sp>
     </p:spTree>
   </p:cSld>
-  <p:clrMap bg1="lt1" bg2="lt2" tx1="dk1" tx2="dk2" accent1="accent1" accent2="accent2" accent3="accent3" accent4="accent4" accent5="accent5" accent6="accent6" hlink="hlink" folHlink="folHlink"/>
+  <p:clrMap bg1="lt1" tx1="dk1" bg2="lt2" tx2="dk2" accent1="accent1" accent2="accent2" accent3="accent3" accent4="accent4" accent5="accent5" accent6="accent6" hlink="hlink" folHlink="folHlink"/>
   <p:sldLayoutIdLst>
-    <p:sldLayoutId id="2147483649" r:id="rId2"/>
-    <p:sldLayoutId id="2147483650" r:id="rId3"/>
-    <p:sldLayoutId id="2147483651" r:id="rId4"/>
-    <p:sldLayoutId id="2147483652" r:id="rId5"/>
-    <p:sldLayoutId id="2147483653" r:id="rId6"/>
-    <p:sldLayoutId id="2147483654" r:id="rId7"/>
-    <p:sldLayoutId id="2147483655" r:id="rId8"/>
-    <p:sldLayoutId id="2147483656" r:id="rId9"/>
-    <p:sldLayoutId id="2147483657" r:id="rId10"/>
-    <p:sldLayoutId id="2147483658" r:id="rId11"/>
-    <p:sldLayoutId id="2147483659" r:id="rId12"/>
-    <p:sldLayoutId id="2147483660" r:id="rId13"/>
+    <p:sldLayoutId id="2147483649" r:id="rId1"/>
+    <p:sldLayoutId id="2147483650" r:id="rId2"/>
+    <p:sldLayoutId id="2147483651" r:id="rId3"/>
+    <p:sldLayoutId id="2147483652" r:id="rId4"/>
+    <p:sldLayoutId id="2147483653" r:id="rId5"/>
+    <p:sldLayoutId id="2147483654" r:id="rId6"/>
+    <p:sldLayoutId id="2147483655" r:id="rId7"/>
+    <p:sldLayoutId id="2147483656" r:id="rId8"/>
+    <p:sldLayoutId id="2147483657" r:id="rId9"/>
+    <p:sldLayoutId id="2147483658" r:id="rId10"/>
+    <p:sldLayoutId id="2147483659" r:id="rId11"/>
+    <p:sldLayoutId id="2147483660" r:id="rId12"/>
   </p:sldLayoutIdLst>
+  <p:txStyles>
+    <p:titleStyle/>
+    <p:bodyStyle/>
+    <p:otherStyle/>
+  </p:txStyles>
 </p:sldMaster>
 </file>
 
 <file path=ppt/slides/slide1.xml><?xml version="1.0" encoding="utf-8"?>
-<p:sld xmlns:a="http://schemas.openxmlformats.org/drawingml/2006/main" xmlns:p="http://schemas.openxmlformats.org/presentationml/2006/main" xmlns:r="http://schemas.openxmlformats.org/officeDocument/2006/relationships" xmlns:p14="http://schemas.microsoft.com/office/powerpoint/2010/main" xmlns:p15="http://schemas.microsoft.com/office/powerpoint/2012/main" xmlns:mc="http://schemas.openxmlformats.org/markup-compatibility/2006">
+<p:sld xmlns:a="http://schemas.openxmlformats.org/drawingml/2006/main" xmlns:r="http://schemas.openxmlformats.org/officeDocument/2006/relationships" xmlns:p="http://schemas.openxmlformats.org/presentationml/2006/main">
   <p:cSld>
     <p:spTree>
       <p:nvGrpSpPr>
@@ -1900,6 +2040,7 @@
         </p:spPr>
         <p:txBody>
           <a:bodyPr anchor="ctr"/>
+          <a:lstStyle/>
           <a:p>
             <a:pPr>
               <a:lnSpc>
@@ -1907,15 +2048,15 @@
               </a:lnSpc>
             </a:pPr>
             <a:r>
-              <a:rPr b="0" lang="pt-BR" sz="4400" spc="-1" strike="noStrike">
-                <a:solidFill>
-                  <a:srgbClr val="ffffff"/>
+              <a:rPr lang="pt-BR" sz="4400" b="0" strike="noStrike" spc="-1">
+                <a:solidFill>
+                  <a:srgbClr val="FFFFFF"/>
                 </a:solidFill>
                 <a:latin typeface="Calibri"/>
               </a:rPr>
               <a:t>GD1 – Tela de Jogo</a:t>
             </a:r>
-            <a:endParaRPr b="0" lang="pt-BR" sz="4400" spc="-1" strike="noStrike">
+            <a:endParaRPr lang="pt-BR" sz="4400" b="0" strike="noStrike" spc="-1">
               <a:solidFill>
                 <a:srgbClr val="000000"/>
               </a:solidFill>
@@ -1926,17 +2067,17 @@
       </p:sp>
       <p:pic>
         <p:nvPicPr>
-          <p:cNvPr id="42" name="" descr=""/>
+          <p:cNvPr id="42" name="Imagem 41"/>
           <p:cNvPicPr/>
           <p:nvPr/>
         </p:nvPicPr>
         <p:blipFill>
-          <a:blip r:embed="rId1"/>
+          <a:blip r:embed="rId2"/>
           <a:stretch/>
         </p:blipFill>
         <p:spPr>
           <a:xfrm>
-            <a:off x="1177560" y="1453320"/>
+            <a:off x="1000100" y="1500174"/>
             <a:ext cx="7128000" cy="3124800"/>
           </a:xfrm>
           <a:prstGeom prst="rect">
@@ -1955,8 +2096,8 @@
         </p:nvSpPr>
         <p:spPr>
           <a:xfrm>
-            <a:off x="1078920" y="4965840"/>
-            <a:ext cx="4668840" cy="1370160"/>
+            <a:off x="1214414" y="4786322"/>
+            <a:ext cx="4993278" cy="1370160"/>
           </a:xfrm>
           <a:prstGeom prst="rect">
             <a:avLst/>
@@ -1967,98 +2108,120 @@
           </a:ln>
         </p:spPr>
         <p:txBody>
-          <a:bodyPr lIns="90000" rIns="90000" tIns="45000" bIns="45000"/>
-          <a:p>
-            <a:r>
-              <a:rPr b="0" lang="pt-BR" sz="1800" spc="-1" strike="noStrike">
+          <a:bodyPr lIns="90000" tIns="45000" rIns="90000" bIns="45000"/>
+          <a:lstStyle/>
+          <a:p>
+            <a:r>
+              <a:rPr lang="pt-BR" sz="1800" b="0" strike="noStrike" spc="-1" dirty="0">
+                <a:solidFill>
+                  <a:schemeClr val="bg1"/>
+                </a:solidFill>
                 <a:latin typeface="Arial"/>
               </a:rPr>
-              <a:t>Os principais elementos da tela de jogo são:</a:t>
-            </a:r>
-            <a:endParaRPr b="0" lang="pt-BR" sz="1800" spc="-1" strike="noStrike">
-              <a:latin typeface="Arial"/>
-            </a:endParaRPr>
-          </a:p>
-          <a:p>
-            <a:pPr lvl="1" marL="432000" indent="-216000">
+              <a:t>Os principais elementos da tela de </a:t>
+            </a:r>
+            <a:r>
+              <a:rPr lang="pt-BR" sz="1800" b="0" strike="noStrike" spc="-1" dirty="0" smtClean="0">
+                <a:solidFill>
+                  <a:schemeClr val="bg1"/>
+                </a:solidFill>
+                <a:latin typeface="Arial"/>
+              </a:rPr>
+              <a:t>jogo são</a:t>
+            </a:r>
+            <a:r>
+              <a:rPr lang="pt-BR" sz="1800" b="0" strike="noStrike" spc="-1" dirty="0">
+                <a:solidFill>
+                  <a:schemeClr val="bg1"/>
+                </a:solidFill>
+                <a:latin typeface="Arial"/>
+              </a:rPr>
+              <a:t>:</a:t>
+            </a:r>
+          </a:p>
+          <a:p>
+            <a:pPr marL="432000" lvl="1" indent="-216000">
               <a:buClr>
-                <a:srgbClr val="ffffff"/>
+                <a:srgbClr val="FFFFFF"/>
               </a:buClr>
               <a:buSzPct val="45000"/>
               <a:buFont typeface="Wingdings" charset="2"/>
               <a:buChar char=""/>
             </a:pPr>
             <a:r>
-              <a:rPr b="0" lang="pt-BR" sz="1800" spc="-1" strike="noStrike">
+              <a:rPr lang="pt-BR" sz="1800" b="0" strike="noStrike" spc="-1" dirty="0">
+                <a:solidFill>
+                  <a:schemeClr val="bg1"/>
+                </a:solidFill>
                 <a:latin typeface="Arial"/>
               </a:rPr>
               <a:t>Barra de status;</a:t>
             </a:r>
-            <a:endParaRPr b="0" lang="pt-BR" sz="1800" spc="-1" strike="noStrike">
-              <a:latin typeface="Arial"/>
-            </a:endParaRPr>
-          </a:p>
-          <a:p>
-            <a:pPr lvl="1" marL="432000" indent="-216000">
+          </a:p>
+          <a:p>
+            <a:pPr marL="432000" lvl="1" indent="-216000">
               <a:buClr>
-                <a:srgbClr val="ffffff"/>
+                <a:srgbClr val="FFFFFF"/>
               </a:buClr>
               <a:buSzPct val="45000"/>
               <a:buFont typeface="Wingdings" charset="2"/>
               <a:buChar char=""/>
             </a:pPr>
             <a:r>
-              <a:rPr b="0" lang="pt-BR" sz="1800" spc="-1" strike="noStrike">
+              <a:rPr lang="pt-BR" sz="1800" b="0" strike="noStrike" spc="-1" dirty="0">
+                <a:solidFill>
+                  <a:schemeClr val="bg1"/>
+                </a:solidFill>
                 <a:latin typeface="Arial"/>
               </a:rPr>
               <a:t>Personagem;</a:t>
             </a:r>
-            <a:endParaRPr b="0" lang="pt-BR" sz="1800" spc="-1" strike="noStrike">
-              <a:latin typeface="Arial"/>
-            </a:endParaRPr>
-          </a:p>
-          <a:p>
-            <a:pPr lvl="1" marL="432000" indent="-216000">
+          </a:p>
+          <a:p>
+            <a:pPr marL="432000" lvl="1" indent="-216000">
               <a:buClr>
-                <a:srgbClr val="ffffff"/>
+                <a:srgbClr val="FFFFFF"/>
               </a:buClr>
               <a:buSzPct val="45000"/>
               <a:buFont typeface="Wingdings" charset="2"/>
               <a:buChar char=""/>
             </a:pPr>
             <a:r>
-              <a:rPr b="0" lang="pt-BR" sz="1800" spc="-1" strike="noStrike">
+              <a:rPr lang="pt-BR" sz="1800" b="0" strike="noStrike" spc="-1" dirty="0">
+                <a:solidFill>
+                  <a:schemeClr val="bg1"/>
+                </a:solidFill>
                 <a:latin typeface="Arial"/>
               </a:rPr>
               <a:t>Inimigos;</a:t>
             </a:r>
-            <a:endParaRPr b="0" lang="pt-BR" sz="1800" spc="-1" strike="noStrike">
-              <a:latin typeface="Arial"/>
-            </a:endParaRPr>
-          </a:p>
-          <a:p>
-            <a:pPr lvl="1" marL="432000" indent="-216000">
+          </a:p>
+          <a:p>
+            <a:pPr marL="432000" lvl="1" indent="-216000">
               <a:buClr>
-                <a:srgbClr val="ffffff"/>
+                <a:srgbClr val="FFFFFF"/>
               </a:buClr>
               <a:buSzPct val="45000"/>
               <a:buFont typeface="Wingdings" charset="2"/>
               <a:buChar char=""/>
             </a:pPr>
             <a:r>
-              <a:rPr b="0" lang="pt-BR" sz="1800" spc="-1" strike="noStrike">
+              <a:rPr lang="pt-BR" sz="1800" b="0" strike="noStrike" spc="-1" dirty="0">
+                <a:solidFill>
+                  <a:schemeClr val="bg1"/>
+                </a:solidFill>
                 <a:latin typeface="Arial"/>
               </a:rPr>
               <a:t>Itens.</a:t>
             </a:r>
-            <a:endParaRPr b="0" lang="pt-BR" sz="1800" spc="-1" strike="noStrike">
-              <a:latin typeface="Arial"/>
-            </a:endParaRPr>
           </a:p>
         </p:txBody>
       </p:sp>
     </p:spTree>
   </p:cSld>
+  <p:clrMapOvr>
+    <a:masterClrMapping/>
+  </p:clrMapOvr>
   <p:timing>
     <p:tnLst>
       <p:par>
@@ -2067,14 +2230,14 @@
             <p:seq>
               <p:cTn id="2" nodeType="mainSeq"/>
               <p:prevCondLst>
-                <p:cond delay="0" evt="onPrev">
+                <p:cond evt="onPrev" delay="0">
                   <p:tgtEl>
                     <p:sldTgt/>
                   </p:tgtEl>
                 </p:cond>
               </p:prevCondLst>
               <p:nextCondLst>
-                <p:cond delay="0" evt="onNext">
+                <p:cond evt="onNext" delay="0">
                   <p:tgtEl>
                     <p:sldTgt/>
                   </p:tgtEl>
@@ -2090,7 +2253,7 @@
 </file>
 
 <file path=ppt/slides/slide2.xml><?xml version="1.0" encoding="utf-8"?>
-<p:sld xmlns:a="http://schemas.openxmlformats.org/drawingml/2006/main" xmlns:p="http://schemas.openxmlformats.org/presentationml/2006/main" xmlns:r="http://schemas.openxmlformats.org/officeDocument/2006/relationships" xmlns:p14="http://schemas.microsoft.com/office/powerpoint/2010/main" xmlns:p15="http://schemas.microsoft.com/office/powerpoint/2012/main" xmlns:mc="http://schemas.openxmlformats.org/markup-compatibility/2006">
+<p:sld xmlns:a="http://schemas.openxmlformats.org/drawingml/2006/main" xmlns:r="http://schemas.openxmlformats.org/officeDocument/2006/relationships" xmlns:p="http://schemas.openxmlformats.org/presentationml/2006/main">
   <p:cSld>
     <p:spTree>
       <p:nvGrpSpPr>
@@ -2127,6 +2290,7 @@
         </p:spPr>
         <p:txBody>
           <a:bodyPr anchor="ctr"/>
+          <a:lstStyle/>
           <a:p>
             <a:pPr>
               <a:lnSpc>
@@ -2134,15 +2298,15 @@
               </a:lnSpc>
             </a:pPr>
             <a:r>
-              <a:rPr b="0" lang="pt-BR" sz="4400" spc="-1" strike="noStrike">
-                <a:solidFill>
-                  <a:srgbClr val="ffffff"/>
+              <a:rPr lang="pt-BR" sz="4400" b="0" strike="noStrike" spc="-1">
+                <a:solidFill>
+                  <a:srgbClr val="FFFFFF"/>
                 </a:solidFill>
                 <a:latin typeface="Calibri"/>
               </a:rPr>
               <a:t>GD2 – Barra de Status</a:t>
             </a:r>
-            <a:endParaRPr b="0" lang="pt-BR" sz="4400" spc="-1" strike="noStrike">
+            <a:endParaRPr lang="pt-BR" sz="4400" b="0" strike="noStrike" spc="-1">
               <a:solidFill>
                 <a:srgbClr val="000000"/>
               </a:solidFill>
@@ -2151,29 +2315,6 @@
           </a:p>
         </p:txBody>
       </p:sp>
-      <p:pic>
-        <p:nvPicPr>
-          <p:cNvPr id="45" name="" descr=""/>
-          <p:cNvPicPr/>
-          <p:nvPr/>
-        </p:nvPicPr>
-        <p:blipFill>
-          <a:blip r:embed="rId1"/>
-          <a:stretch/>
-        </p:blipFill>
-        <p:spPr>
-          <a:xfrm>
-            <a:off x="878040" y="1224000"/>
-            <a:ext cx="7329960" cy="3024000"/>
-          </a:xfrm>
-          <a:prstGeom prst="rect">
-            <a:avLst/>
-          </a:prstGeom>
-          <a:ln>
-            <a:noFill/>
-          </a:ln>
-        </p:spPr>
-      </p:pic>
       <p:sp>
         <p:nvSpPr>
           <p:cNvPr id="46" name="TextShape 2"/>
@@ -2182,8 +2323,8 @@
         </p:nvSpPr>
         <p:spPr>
           <a:xfrm>
-            <a:off x="792000" y="4789800"/>
-            <a:ext cx="5254920" cy="1114200"/>
+            <a:off x="928662" y="4071942"/>
+            <a:ext cx="6423206" cy="1496720"/>
           </a:xfrm>
           <a:prstGeom prst="rect">
             <a:avLst/>
@@ -2194,95 +2335,157 @@
           </a:ln>
         </p:spPr>
         <p:txBody>
-          <a:bodyPr lIns="90000" rIns="90000" tIns="45000" bIns="45000"/>
-          <a:p>
-            <a:r>
-              <a:rPr b="0" lang="pt-BR" sz="1800" spc="-1" strike="noStrike">
+          <a:bodyPr lIns="90000" tIns="45000" rIns="90000" bIns="45000"/>
+          <a:lstStyle/>
+          <a:p>
+            <a:r>
+              <a:rPr lang="pt-BR" sz="1800" b="0" strike="noStrike" spc="-1" dirty="0">
+                <a:solidFill>
+                  <a:schemeClr val="bg1"/>
+                </a:solidFill>
                 <a:latin typeface="Arial"/>
               </a:rPr>
               <a:t>A Barra de status exibe:</a:t>
             </a:r>
-            <a:endParaRPr b="0" lang="pt-BR" sz="1800" spc="-1" strike="noStrike">
-              <a:latin typeface="Arial"/>
-            </a:endParaRPr>
-          </a:p>
-          <a:p>
-            <a:pPr lvl="1" marL="432000" indent="-216000">
+          </a:p>
+          <a:p>
+            <a:pPr marL="432000" lvl="1" indent="-216000">
               <a:buClr>
-                <a:srgbClr val="ffffff"/>
+                <a:srgbClr val="FFFFFF"/>
               </a:buClr>
               <a:buSzPct val="45000"/>
               <a:buFont typeface="Wingdings" charset="2"/>
               <a:buChar char=""/>
             </a:pPr>
             <a:r>
-              <a:rPr b="0" lang="pt-BR" sz="1800" spc="-1" strike="noStrike">
+              <a:rPr lang="pt-BR" sz="1800" b="0" strike="noStrike" spc="-1" dirty="0">
+                <a:solidFill>
+                  <a:schemeClr val="bg1"/>
+                </a:solidFill>
                 <a:latin typeface="Arial"/>
               </a:rPr>
               <a:t>O valor atual e total de vida do personagem;</a:t>
             </a:r>
-            <a:endParaRPr b="0" lang="pt-BR" sz="1800" spc="-1" strike="noStrike">
-              <a:latin typeface="Arial"/>
-            </a:endParaRPr>
-          </a:p>
-          <a:p>
-            <a:pPr lvl="1" marL="432000" indent="-216000">
+          </a:p>
+          <a:p>
+            <a:pPr marL="432000" lvl="1" indent="-216000">
               <a:buClr>
-                <a:srgbClr val="ffffff"/>
+                <a:srgbClr val="FFFFFF"/>
               </a:buClr>
               <a:buSzPct val="45000"/>
               <a:buFont typeface="Wingdings" charset="2"/>
               <a:buChar char=""/>
             </a:pPr>
             <a:r>
-              <a:rPr b="0" lang="pt-BR" sz="1800" spc="-1" strike="noStrike">
+              <a:rPr lang="pt-BR" sz="1800" b="0" strike="noStrike" spc="-1" dirty="0">
+                <a:solidFill>
+                  <a:schemeClr val="bg1"/>
+                </a:solidFill>
                 <a:latin typeface="Arial"/>
               </a:rPr>
               <a:t>O valor atual e total de mana do personagem;</a:t>
             </a:r>
-            <a:endParaRPr b="0" lang="pt-BR" sz="1800" spc="-1" strike="noStrike">
-              <a:latin typeface="Arial"/>
-            </a:endParaRPr>
-          </a:p>
-          <a:p>
-            <a:pPr lvl="1" marL="432000" indent="-216000">
+          </a:p>
+          <a:p>
+            <a:pPr marL="432000" lvl="1" indent="-216000">
               <a:buClr>
-                <a:srgbClr val="ffffff"/>
+                <a:srgbClr val="FFFFFF"/>
               </a:buClr>
               <a:buSzPct val="45000"/>
               <a:buFont typeface="Wingdings" charset="2"/>
               <a:buChar char=""/>
             </a:pPr>
             <a:r>
-              <a:rPr b="0" lang="pt-BR" sz="1800" spc="-1" strike="noStrike">
+              <a:rPr lang="pt-BR" sz="1800" b="0" strike="noStrike" spc="-1" dirty="0">
+                <a:solidFill>
+                  <a:schemeClr val="bg1"/>
+                </a:solidFill>
                 <a:latin typeface="Arial"/>
               </a:rPr>
-              <a:t>A quantidade de ouro do personagem.</a:t>
-            </a:r>
-            <a:endParaRPr b="0" lang="pt-BR" sz="1800" spc="-1" strike="noStrike">
+              <a:t>A quantidade de ouro do </a:t>
+            </a:r>
+            <a:r>
+              <a:rPr lang="pt-BR" sz="1800" b="0" strike="noStrike" spc="-1" dirty="0" smtClean="0">
+                <a:solidFill>
+                  <a:schemeClr val="bg1"/>
+                </a:solidFill>
+                <a:latin typeface="Arial"/>
+              </a:rPr>
+              <a:t>personagem;</a:t>
+            </a:r>
+          </a:p>
+          <a:p>
+            <a:pPr marL="432000" lvl="1" indent="-216000">
+              <a:buClr>
+                <a:srgbClr val="FFFFFF"/>
+              </a:buClr>
+              <a:buSzPct val="45000"/>
+              <a:buFont typeface="Wingdings" charset="2"/>
+              <a:buChar char=""/>
+            </a:pPr>
+            <a:r>
+              <a:rPr lang="pt-BR" spc="-1" dirty="0" smtClean="0">
+                <a:solidFill>
+                  <a:schemeClr val="bg1"/>
+                </a:solidFill>
+                <a:latin typeface="Arial"/>
+              </a:rPr>
+              <a:t>O item selecionado pelo personagem.</a:t>
+            </a:r>
+            <a:endParaRPr lang="pt-BR" sz="1800" b="0" strike="noStrike" spc="-1" dirty="0">
+              <a:solidFill>
+                <a:schemeClr val="bg1"/>
+              </a:solidFill>
               <a:latin typeface="Arial"/>
             </a:endParaRPr>
           </a:p>
         </p:txBody>
       </p:sp>
+      <p:pic>
+        <p:nvPicPr>
+          <p:cNvPr id="6" name="Imagem 5" descr="Capturar.PNG"/>
+          <p:cNvPicPr>
+            <a:picLocks noChangeAspect="1"/>
+          </p:cNvPicPr>
+          <p:nvPr/>
+        </p:nvPicPr>
+        <p:blipFill>
+          <a:blip r:embed="rId2"/>
+          <a:stretch>
+            <a:fillRect/>
+          </a:stretch>
+        </p:blipFill>
+        <p:spPr>
+          <a:xfrm>
+            <a:off x="642910" y="1571612"/>
+            <a:ext cx="7789597" cy="2071702"/>
+          </a:xfrm>
+          <a:prstGeom prst="rect">
+            <a:avLst/>
+          </a:prstGeom>
+        </p:spPr>
+      </p:pic>
     </p:spTree>
   </p:cSld>
+  <p:clrMapOvr>
+    <a:masterClrMapping/>
+  </p:clrMapOvr>
   <p:timing>
     <p:tnLst>
       <p:par>
-        <p:cTn id="3" dur="indefinite" restart="never" nodeType="tmRoot">
+        <p:cTn id="1" dur="indefinite" restart="never" nodeType="tmRoot">
           <p:childTnLst>
             <p:seq>
-              <p:cTn id="4" nodeType="mainSeq"/>
+              <p:cTn id="2" nodeType="mainSeq"/>
               <p:prevCondLst>
-                <p:cond delay="0" evt="onPrev">
+                <p:cond evt="onPrev" delay="0">
                   <p:tgtEl>
                     <p:sldTgt/>
                   </p:tgtEl>
                 </p:cond>
               </p:prevCondLst>
               <p:nextCondLst>
-                <p:cond delay="0" evt="onNext">
+                <p:cond evt="onNext" delay="0">
                   <p:tgtEl>
                     <p:sldTgt/>
                   </p:tgtEl>
@@ -2298,7 +2501,7 @@
 </file>
 
 <file path=ppt/slides/slide3.xml><?xml version="1.0" encoding="utf-8"?>
-<p:sld xmlns:a="http://schemas.openxmlformats.org/drawingml/2006/main" xmlns:p="http://schemas.openxmlformats.org/presentationml/2006/main" xmlns:r="http://schemas.openxmlformats.org/officeDocument/2006/relationships" xmlns:p14="http://schemas.microsoft.com/office/powerpoint/2010/main" xmlns:p15="http://schemas.microsoft.com/office/powerpoint/2012/main" xmlns:mc="http://schemas.openxmlformats.org/markup-compatibility/2006">
+<p:sld xmlns:a="http://schemas.openxmlformats.org/drawingml/2006/main" xmlns:r="http://schemas.openxmlformats.org/officeDocument/2006/relationships" xmlns:p="http://schemas.openxmlformats.org/presentationml/2006/main">
   <p:cSld>
     <p:spTree>
       <p:nvGrpSpPr>
@@ -2335,6 +2538,7 @@
         </p:spPr>
         <p:txBody>
           <a:bodyPr anchor="ctr"/>
+          <a:lstStyle/>
           <a:p>
             <a:pPr>
               <a:lnSpc>
@@ -2342,15 +2546,15 @@
               </a:lnSpc>
             </a:pPr>
             <a:r>
-              <a:rPr b="0" lang="pt-BR" sz="4400" spc="-1" strike="noStrike">
-                <a:solidFill>
-                  <a:srgbClr val="ffffff"/>
+              <a:rPr lang="pt-BR" sz="4400" b="0" strike="noStrike" spc="-1">
+                <a:solidFill>
+                  <a:srgbClr val="FFFFFF"/>
                 </a:solidFill>
                 <a:latin typeface="Calibri"/>
               </a:rPr>
               <a:t>GD3 – Personagem</a:t>
             </a:r>
-            <a:endParaRPr b="0" lang="pt-BR" sz="4400" spc="-1" strike="noStrike">
+            <a:endParaRPr lang="pt-BR" sz="4400" b="0" strike="noStrike" spc="-1">
               <a:solidFill>
                 <a:srgbClr val="000000"/>
               </a:solidFill>
@@ -2361,30 +2565,7 @@
       </p:sp>
       <p:pic>
         <p:nvPicPr>
-          <p:cNvPr id="48" name="" descr=""/>
-          <p:cNvPicPr/>
-          <p:nvPr/>
-        </p:nvPicPr>
-        <p:blipFill>
-          <a:blip r:embed="rId1"/>
-          <a:stretch/>
-        </p:blipFill>
-        <p:spPr>
-          <a:xfrm>
-            <a:off x="216000" y="1446840"/>
-            <a:ext cx="1838160" cy="1914120"/>
-          </a:xfrm>
-          <a:prstGeom prst="rect">
-            <a:avLst/>
-          </a:prstGeom>
-          <a:ln>
-            <a:noFill/>
-          </a:ln>
-        </p:spPr>
-      </p:pic>
-      <p:pic>
-        <p:nvPicPr>
-          <p:cNvPr id="49" name="" descr=""/>
+          <p:cNvPr id="48" name="Imagem 47"/>
           <p:cNvPicPr/>
           <p:nvPr/>
         </p:nvPicPr>
@@ -2394,8 +2575,8 @@
         </p:blipFill>
         <p:spPr>
           <a:xfrm>
-            <a:off x="2054160" y="1446840"/>
-            <a:ext cx="2553840" cy="1914480"/>
+            <a:off x="216000" y="1446840"/>
+            <a:ext cx="1838160" cy="1914120"/>
           </a:xfrm>
           <a:prstGeom prst="rect">
             <a:avLst/>
@@ -2407,7 +2588,7 @@
       </p:pic>
       <p:pic>
         <p:nvPicPr>
-          <p:cNvPr id="50" name="" descr=""/>
+          <p:cNvPr id="49" name="Imagem 48"/>
           <p:cNvPicPr/>
           <p:nvPr/>
         </p:nvPicPr>
@@ -2417,8 +2598,8 @@
         </p:blipFill>
         <p:spPr>
           <a:xfrm>
-            <a:off x="216000" y="3361320"/>
-            <a:ext cx="2159280" cy="1750680"/>
+            <a:off x="2054160" y="1446840"/>
+            <a:ext cx="2553840" cy="1914480"/>
           </a:xfrm>
           <a:prstGeom prst="rect">
             <a:avLst/>
@@ -2430,7 +2611,7 @@
       </p:pic>
       <p:pic>
         <p:nvPicPr>
-          <p:cNvPr id="51" name="" descr=""/>
+          <p:cNvPr id="50" name="Imagem 49"/>
           <p:cNvPicPr/>
           <p:nvPr/>
         </p:nvPicPr>
@@ -2440,8 +2621,8 @@
         </p:blipFill>
         <p:spPr>
           <a:xfrm>
-            <a:off x="2367720" y="3374640"/>
-            <a:ext cx="2240280" cy="1737360"/>
+            <a:off x="216000" y="3361320"/>
+            <a:ext cx="2159280" cy="1750680"/>
           </a:xfrm>
           <a:prstGeom prst="rect">
             <a:avLst/>
@@ -2451,6 +2632,29 @@
           </a:ln>
         </p:spPr>
       </p:pic>
+      <p:pic>
+        <p:nvPicPr>
+          <p:cNvPr id="51" name="Imagem 50"/>
+          <p:cNvPicPr/>
+          <p:nvPr/>
+        </p:nvPicPr>
+        <p:blipFill>
+          <a:blip r:embed="rId5"/>
+          <a:stretch/>
+        </p:blipFill>
+        <p:spPr>
+          <a:xfrm>
+            <a:off x="2367720" y="3374640"/>
+            <a:ext cx="2240280" cy="1737360"/>
+          </a:xfrm>
+          <a:prstGeom prst="rect">
+            <a:avLst/>
+          </a:prstGeom>
+          <a:ln>
+            <a:noFill/>
+          </a:ln>
+        </p:spPr>
+      </p:pic>
       <p:sp>
         <p:nvSpPr>
           <p:cNvPr id="52" name="TextShape 2"/>
@@ -2460,7 +2664,7 @@
         <p:spPr>
           <a:xfrm>
             <a:off x="4680000" y="1469520"/>
-            <a:ext cx="4428000" cy="2138040"/>
+            <a:ext cx="4428000" cy="3602554"/>
           </a:xfrm>
           <a:prstGeom prst="rect">
             <a:avLst/>
@@ -2471,171 +2675,175 @@
           </a:ln>
         </p:spPr>
         <p:txBody>
-          <a:bodyPr lIns="90000" rIns="90000" tIns="45000" bIns="45000"/>
-          <a:p>
-            <a:r>
-              <a:rPr b="0" lang="pt-BR" sz="1800" spc="-1" strike="noStrike">
+          <a:bodyPr lIns="90000" tIns="45000" rIns="90000" bIns="45000"/>
+          <a:lstStyle/>
+          <a:p>
+            <a:r>
+              <a:rPr lang="pt-BR" sz="1800" b="0" strike="noStrike" spc="-1" dirty="0">
+                <a:solidFill>
+                  <a:schemeClr val="bg1"/>
+                </a:solidFill>
                 <a:latin typeface="Arial"/>
               </a:rPr>
               <a:t>O personagem pode realizar ações como:</a:t>
             </a:r>
-            <a:endParaRPr b="0" lang="pt-BR" sz="1800" spc="-1" strike="noStrike">
-              <a:latin typeface="Arial"/>
-            </a:endParaRPr>
-          </a:p>
-          <a:p>
-            <a:pPr lvl="1" marL="432000" indent="-216000">
+          </a:p>
+          <a:p>
+            <a:pPr marL="432000" lvl="1" indent="-216000">
               <a:buClr>
-                <a:srgbClr val="ffffff"/>
+                <a:srgbClr val="FFFFFF"/>
               </a:buClr>
               <a:buSzPct val="45000"/>
               <a:buFont typeface="Wingdings" charset="2"/>
               <a:buChar char=""/>
             </a:pPr>
             <a:r>
-              <a:rPr b="0" lang="pt-BR" sz="1800" spc="-1" strike="noStrike">
+              <a:rPr lang="pt-BR" sz="1800" b="0" strike="noStrike" spc="-1" dirty="0">
+                <a:solidFill>
+                  <a:schemeClr val="bg1"/>
+                </a:solidFill>
                 <a:latin typeface="Arial"/>
               </a:rPr>
               <a:t>Mover-se;</a:t>
             </a:r>
-            <a:endParaRPr b="0" lang="pt-BR" sz="1800" spc="-1" strike="noStrike">
-              <a:latin typeface="Arial"/>
-            </a:endParaRPr>
-          </a:p>
-          <a:p>
-            <a:pPr lvl="1" marL="432000" indent="-216000">
+          </a:p>
+          <a:p>
+            <a:pPr marL="432000" lvl="1" indent="-216000">
               <a:buClr>
-                <a:srgbClr val="ffffff"/>
+                <a:srgbClr val="FFFFFF"/>
               </a:buClr>
               <a:buSzPct val="45000"/>
               <a:buFont typeface="Wingdings" charset="2"/>
               <a:buChar char=""/>
             </a:pPr>
             <a:r>
-              <a:rPr b="0" lang="pt-BR" sz="1800" spc="-1" strike="noStrike">
+              <a:rPr lang="pt-BR" sz="1800" b="0" strike="noStrike" spc="-1" dirty="0">
+                <a:solidFill>
+                  <a:schemeClr val="bg1"/>
+                </a:solidFill>
                 <a:latin typeface="Arial"/>
               </a:rPr>
               <a:t>Pular;</a:t>
             </a:r>
-            <a:endParaRPr b="0" lang="pt-BR" sz="1800" spc="-1" strike="noStrike">
-              <a:latin typeface="Arial"/>
-            </a:endParaRPr>
-          </a:p>
-          <a:p>
-            <a:pPr lvl="1" marL="432000" indent="-216000">
+          </a:p>
+          <a:p>
+            <a:pPr marL="432000" lvl="1" indent="-216000">
               <a:buClr>
-                <a:srgbClr val="ffffff"/>
+                <a:srgbClr val="FFFFFF"/>
               </a:buClr>
               <a:buSzPct val="45000"/>
               <a:buFont typeface="Wingdings" charset="2"/>
               <a:buChar char=""/>
             </a:pPr>
             <a:r>
-              <a:rPr b="0" lang="pt-BR" sz="1800" spc="-1" strike="noStrike">
+              <a:rPr lang="pt-BR" sz="1800" b="0" strike="noStrike" spc="-1" dirty="0">
+                <a:solidFill>
+                  <a:schemeClr val="bg1"/>
+                </a:solidFill>
                 <a:latin typeface="Arial"/>
               </a:rPr>
               <a:t>Atacar;</a:t>
             </a:r>
-            <a:endParaRPr b="0" lang="pt-BR" sz="1800" spc="-1" strike="noStrike">
-              <a:latin typeface="Arial"/>
-            </a:endParaRPr>
-          </a:p>
-          <a:p>
-            <a:pPr lvl="1" marL="432000" indent="-216000">
+          </a:p>
+          <a:p>
+            <a:pPr marL="432000" lvl="1" indent="-216000">
               <a:buClr>
-                <a:srgbClr val="ffffff"/>
+                <a:srgbClr val="FFFFFF"/>
               </a:buClr>
               <a:buSzPct val="45000"/>
               <a:buFont typeface="Wingdings" charset="2"/>
               <a:buChar char=""/>
             </a:pPr>
             <a:r>
-              <a:rPr b="0" lang="pt-BR" sz="1800" spc="-1" strike="noStrike">
+              <a:rPr lang="pt-BR" sz="1800" b="0" strike="noStrike" spc="-1" dirty="0">
+                <a:solidFill>
+                  <a:schemeClr val="bg1"/>
+                </a:solidFill>
                 <a:latin typeface="Arial"/>
               </a:rPr>
               <a:t>Causar e receber dano;</a:t>
             </a:r>
-            <a:endParaRPr b="0" lang="pt-BR" sz="1800" spc="-1" strike="noStrike">
-              <a:latin typeface="Arial"/>
-            </a:endParaRPr>
-          </a:p>
-          <a:p>
-            <a:pPr lvl="1" marL="432000" indent="-216000">
+          </a:p>
+          <a:p>
+            <a:pPr marL="432000" lvl="1" indent="-216000">
               <a:buClr>
-                <a:srgbClr val="ffffff"/>
+                <a:srgbClr val="FFFFFF"/>
               </a:buClr>
               <a:buSzPct val="45000"/>
               <a:buFont typeface="Wingdings" charset="2"/>
               <a:buChar char=""/>
             </a:pPr>
             <a:r>
-              <a:rPr b="0" lang="pt-BR" sz="1800" spc="-1" strike="noStrike">
+              <a:rPr lang="pt-BR" sz="1800" b="0" strike="noStrike" spc="-1" dirty="0">
+                <a:solidFill>
+                  <a:schemeClr val="bg1"/>
+                </a:solidFill>
                 <a:latin typeface="Arial"/>
               </a:rPr>
               <a:t>Morrer;</a:t>
             </a:r>
-            <a:endParaRPr b="0" lang="pt-BR" sz="1800" spc="-1" strike="noStrike">
-              <a:latin typeface="Arial"/>
-            </a:endParaRPr>
-          </a:p>
-          <a:p>
-            <a:pPr lvl="1" marL="432000" indent="-216000">
+          </a:p>
+          <a:p>
+            <a:pPr marL="432000" lvl="1" indent="-216000">
               <a:buClr>
-                <a:srgbClr val="ffffff"/>
+                <a:srgbClr val="FFFFFF"/>
               </a:buClr>
               <a:buSzPct val="45000"/>
               <a:buFont typeface="Wingdings" charset="2"/>
               <a:buChar char=""/>
             </a:pPr>
             <a:r>
-              <a:rPr b="0" lang="pt-BR" sz="1800" spc="-1" strike="noStrike">
+              <a:rPr lang="pt-BR" sz="1800" b="0" strike="noStrike" spc="-1" dirty="0">
+                <a:solidFill>
+                  <a:schemeClr val="bg1"/>
+                </a:solidFill>
                 <a:latin typeface="Arial"/>
               </a:rPr>
               <a:t>Aprender e usar habilidades;</a:t>
             </a:r>
-            <a:endParaRPr b="0" lang="pt-BR" sz="1800" spc="-1" strike="noStrike">
-              <a:latin typeface="Arial"/>
-            </a:endParaRPr>
-          </a:p>
-          <a:p>
-            <a:pPr lvl="1" marL="432000" indent="-216000">
+          </a:p>
+          <a:p>
+            <a:pPr marL="432000" lvl="1" indent="-216000">
               <a:buClr>
-                <a:srgbClr val="ffffff"/>
+                <a:srgbClr val="FFFFFF"/>
               </a:buClr>
               <a:buSzPct val="45000"/>
               <a:buFont typeface="Wingdings" charset="2"/>
               <a:buChar char=""/>
             </a:pPr>
             <a:r>
-              <a:rPr b="0" lang="pt-BR" sz="1800" spc="-1" strike="noStrike">
+              <a:rPr lang="pt-BR" sz="1800" b="0" strike="noStrike" spc="-1" dirty="0">
+                <a:solidFill>
+                  <a:schemeClr val="bg1"/>
+                </a:solidFill>
                 <a:latin typeface="Arial"/>
               </a:rPr>
               <a:t>Aprender e usar magias.</a:t>
             </a:r>
-            <a:endParaRPr b="0" lang="pt-BR" sz="1800" spc="-1" strike="noStrike">
-              <a:latin typeface="Arial"/>
-            </a:endParaRPr>
           </a:p>
         </p:txBody>
       </p:sp>
     </p:spTree>
   </p:cSld>
+  <p:clrMapOvr>
+    <a:masterClrMapping/>
+  </p:clrMapOvr>
   <p:timing>
     <p:tnLst>
       <p:par>
-        <p:cTn id="5" dur="indefinite" restart="never" nodeType="tmRoot">
+        <p:cTn id="1" dur="indefinite" restart="never" nodeType="tmRoot">
           <p:childTnLst>
             <p:seq>
-              <p:cTn id="6" nodeType="mainSeq"/>
+              <p:cTn id="2" nodeType="mainSeq"/>
               <p:prevCondLst>
-                <p:cond delay="0" evt="onPrev">
+                <p:cond evt="onPrev" delay="0">
                   <p:tgtEl>
                     <p:sldTgt/>
                   </p:tgtEl>
                 </p:cond>
               </p:prevCondLst>
               <p:nextCondLst>
-                <p:cond delay="0" evt="onNext">
+                <p:cond evt="onNext" delay="0">
                   <p:tgtEl>
                     <p:sldTgt/>
                   </p:tgtEl>
@@ -2651,7 +2859,7 @@
 </file>
 
 <file path=ppt/slides/slide4.xml><?xml version="1.0" encoding="utf-8"?>
-<p:sld xmlns:a="http://schemas.openxmlformats.org/drawingml/2006/main" xmlns:p="http://schemas.openxmlformats.org/presentationml/2006/main" xmlns:r="http://schemas.openxmlformats.org/officeDocument/2006/relationships" xmlns:p14="http://schemas.microsoft.com/office/powerpoint/2010/main" xmlns:p15="http://schemas.microsoft.com/office/powerpoint/2012/main" xmlns:mc="http://schemas.openxmlformats.org/markup-compatibility/2006">
+<p:sld xmlns:a="http://schemas.openxmlformats.org/drawingml/2006/main" xmlns:r="http://schemas.openxmlformats.org/officeDocument/2006/relationships" xmlns:p="http://schemas.openxmlformats.org/presentationml/2006/main">
   <p:cSld>
     <p:spTree>
       <p:nvGrpSpPr>
@@ -2688,6 +2896,7 @@
         </p:spPr>
         <p:txBody>
           <a:bodyPr anchor="ctr"/>
+          <a:lstStyle/>
           <a:p>
             <a:pPr>
               <a:lnSpc>
@@ -2695,15 +2904,15 @@
               </a:lnSpc>
             </a:pPr>
             <a:r>
-              <a:rPr b="0" lang="pt-BR" sz="4400" spc="-1" strike="noStrike">
-                <a:solidFill>
-                  <a:srgbClr val="ffffff"/>
+              <a:rPr lang="pt-BR" sz="4400" b="0" strike="noStrike" spc="-1">
+                <a:solidFill>
+                  <a:srgbClr val="FFFFFF"/>
                 </a:solidFill>
                 <a:latin typeface="Calibri"/>
               </a:rPr>
               <a:t>GD4 – Inimigo</a:t>
             </a:r>
-            <a:endParaRPr b="0" lang="pt-BR" sz="4400" spc="-1" strike="noStrike">
+            <a:endParaRPr lang="pt-BR" sz="4400" b="0" strike="noStrike" spc="-1">
               <a:solidFill>
                 <a:srgbClr val="000000"/>
               </a:solidFill>
@@ -2732,38 +2941,21 @@
           </a:ln>
         </p:spPr>
         <p:style>
-          <a:lnRef idx="0"/>
-          <a:fillRef idx="0"/>
-          <a:effectRef idx="0"/>
+          <a:lnRef idx="0">
+            <a:scrgbClr r="0" g="0" b="0"/>
+          </a:lnRef>
+          <a:fillRef idx="0">
+            <a:scrgbClr r="0" g="0" b="0"/>
+          </a:fillRef>
+          <a:effectRef idx="0">
+            <a:scrgbClr r="0" g="0" b="0"/>
+          </a:effectRef>
           <a:fontRef idx="minor"/>
         </p:style>
       </p:sp>
       <p:pic>
         <p:nvPicPr>
-          <p:cNvPr id="55" name="" descr=""/>
-          <p:cNvPicPr/>
-          <p:nvPr/>
-        </p:nvPicPr>
-        <p:blipFill>
-          <a:blip r:embed="rId1"/>
-          <a:stretch/>
-        </p:blipFill>
-        <p:spPr>
-          <a:xfrm>
-            <a:off x="288000" y="1166760"/>
-            <a:ext cx="3200400" cy="1580760"/>
-          </a:xfrm>
-          <a:prstGeom prst="rect">
-            <a:avLst/>
-          </a:prstGeom>
-          <a:ln>
-            <a:noFill/>
-          </a:ln>
-        </p:spPr>
-      </p:pic>
-      <p:pic>
-        <p:nvPicPr>
-          <p:cNvPr id="56" name="" descr=""/>
+          <p:cNvPr id="55" name="Imagem 54"/>
           <p:cNvPicPr/>
           <p:nvPr/>
         </p:nvPicPr>
@@ -2773,8 +2965,8 @@
         </p:blipFill>
         <p:spPr>
           <a:xfrm>
-            <a:off x="288000" y="2747520"/>
-            <a:ext cx="3169080" cy="1695240"/>
+            <a:off x="288000" y="1166760"/>
+            <a:ext cx="3200400" cy="1580760"/>
           </a:xfrm>
           <a:prstGeom prst="rect">
             <a:avLst/>
@@ -2786,7 +2978,7 @@
       </p:pic>
       <p:pic>
         <p:nvPicPr>
-          <p:cNvPr id="57" name="" descr=""/>
+          <p:cNvPr id="56" name="Imagem 55"/>
           <p:cNvPicPr/>
           <p:nvPr/>
         </p:nvPicPr>
@@ -2796,8 +2988,8 @@
         </p:blipFill>
         <p:spPr>
           <a:xfrm>
-            <a:off x="288000" y="4442760"/>
-            <a:ext cx="3169080" cy="1533240"/>
+            <a:off x="288000" y="2747520"/>
+            <a:ext cx="3169080" cy="1695240"/>
           </a:xfrm>
           <a:prstGeom prst="rect">
             <a:avLst/>
@@ -2807,6 +2999,29 @@
           </a:ln>
         </p:spPr>
       </p:pic>
+      <p:pic>
+        <p:nvPicPr>
+          <p:cNvPr id="57" name="Imagem 56"/>
+          <p:cNvPicPr/>
+          <p:nvPr/>
+        </p:nvPicPr>
+        <p:blipFill>
+          <a:blip r:embed="rId4"/>
+          <a:stretch/>
+        </p:blipFill>
+        <p:spPr>
+          <a:xfrm>
+            <a:off x="288000" y="4442760"/>
+            <a:ext cx="3169080" cy="1533240"/>
+          </a:xfrm>
+          <a:prstGeom prst="rect">
+            <a:avLst/>
+          </a:prstGeom>
+          <a:ln>
+            <a:noFill/>
+          </a:ln>
+        </p:spPr>
+      </p:pic>
       <p:sp>
         <p:nvSpPr>
           <p:cNvPr id="58" name="TextShape 3"/>
@@ -2816,7 +3031,7 @@
         <p:spPr>
           <a:xfrm>
             <a:off x="3960000" y="1080000"/>
-            <a:ext cx="4301640" cy="1882080"/>
+            <a:ext cx="4898280" cy="4992206"/>
           </a:xfrm>
           <a:prstGeom prst="rect">
             <a:avLst/>
@@ -2827,130 +3042,243 @@
           </a:ln>
         </p:spPr>
         <p:txBody>
-          <a:bodyPr lIns="90000" rIns="90000" tIns="45000" bIns="45000"/>
-          <a:p>
-            <a:r>
-              <a:rPr b="0" lang="pt-BR" sz="1800" spc="-1" strike="noStrike">
+          <a:bodyPr lIns="90000" tIns="45000" rIns="90000" bIns="45000"/>
+          <a:lstStyle/>
+          <a:p>
+            <a:r>
+              <a:rPr lang="pt-BR" sz="1800" b="0" strike="noStrike" spc="-1" dirty="0">
+                <a:solidFill>
+                  <a:schemeClr val="bg1"/>
+                </a:solidFill>
                 <a:latin typeface="Arial"/>
               </a:rPr>
               <a:t>Os inimigos podem realizar ações como:</a:t>
             </a:r>
-            <a:endParaRPr b="0" lang="pt-BR" sz="1800" spc="-1" strike="noStrike">
-              <a:latin typeface="Arial"/>
-            </a:endParaRPr>
-          </a:p>
-          <a:p>
-            <a:pPr lvl="1" marL="432000" indent="-216000">
+          </a:p>
+          <a:p>
+            <a:pPr marL="432000" lvl="1" indent="-216000">
               <a:buClr>
-                <a:srgbClr val="ffffff"/>
+                <a:srgbClr val="FFFFFF"/>
               </a:buClr>
               <a:buSzPct val="45000"/>
               <a:buFont typeface="Wingdings" charset="2"/>
               <a:buChar char=""/>
             </a:pPr>
             <a:r>
-              <a:rPr b="0" lang="pt-BR" sz="1800" spc="-1" strike="noStrike">
+              <a:rPr lang="pt-BR" sz="1800" b="0" strike="noStrike" spc="-1" dirty="0">
+                <a:solidFill>
+                  <a:schemeClr val="bg1"/>
+                </a:solidFill>
                 <a:latin typeface="Arial"/>
               </a:rPr>
               <a:t>Mover-se;</a:t>
             </a:r>
-            <a:endParaRPr b="0" lang="pt-BR" sz="1800" spc="-1" strike="noStrike">
-              <a:latin typeface="Arial"/>
-            </a:endParaRPr>
-          </a:p>
-          <a:p>
-            <a:pPr lvl="1" marL="432000" indent="-216000">
+          </a:p>
+          <a:p>
+            <a:pPr marL="432000" lvl="1" indent="-216000">
               <a:buClr>
-                <a:srgbClr val="ffffff"/>
+                <a:srgbClr val="FFFFFF"/>
               </a:buClr>
               <a:buSzPct val="45000"/>
               <a:buFont typeface="Wingdings" charset="2"/>
               <a:buChar char=""/>
             </a:pPr>
             <a:r>
-              <a:rPr b="0" lang="pt-BR" sz="1800" spc="-1" strike="noStrike">
+              <a:rPr lang="pt-BR" sz="1800" b="0" strike="noStrike" spc="-1" dirty="0">
+                <a:solidFill>
+                  <a:schemeClr val="bg1"/>
+                </a:solidFill>
                 <a:latin typeface="Arial"/>
               </a:rPr>
               <a:t>Detectar o personagem;</a:t>
             </a:r>
-            <a:endParaRPr b="0" lang="pt-BR" sz="1800" spc="-1" strike="noStrike">
-              <a:latin typeface="Arial"/>
-            </a:endParaRPr>
-          </a:p>
-          <a:p>
-            <a:pPr lvl="1" marL="432000" indent="-216000">
+          </a:p>
+          <a:p>
+            <a:pPr marL="432000" lvl="1" indent="-216000">
               <a:buClr>
-                <a:srgbClr val="ffffff"/>
+                <a:srgbClr val="FFFFFF"/>
               </a:buClr>
               <a:buSzPct val="45000"/>
               <a:buFont typeface="Wingdings" charset="2"/>
               <a:buChar char=""/>
             </a:pPr>
             <a:r>
-              <a:rPr b="0" lang="pt-BR" sz="1800" spc="-1" strike="noStrike">
+              <a:rPr lang="pt-BR" sz="1800" b="0" strike="noStrike" spc="-1" dirty="0">
+                <a:solidFill>
+                  <a:schemeClr val="bg1"/>
+                </a:solidFill>
                 <a:latin typeface="Arial"/>
               </a:rPr>
               <a:t>Atacar;</a:t>
             </a:r>
-            <a:endParaRPr b="0" lang="pt-BR" sz="1800" spc="-1" strike="noStrike">
-              <a:latin typeface="Arial"/>
-            </a:endParaRPr>
-          </a:p>
-          <a:p>
-            <a:pPr lvl="1" marL="432000" indent="-216000">
+          </a:p>
+          <a:p>
+            <a:pPr marL="432000" lvl="1" indent="-216000">
               <a:buClr>
-                <a:srgbClr val="ffffff"/>
+                <a:srgbClr val="FFFFFF"/>
               </a:buClr>
               <a:buSzPct val="45000"/>
               <a:buFont typeface="Wingdings" charset="2"/>
               <a:buChar char=""/>
             </a:pPr>
             <a:r>
-              <a:rPr b="0" lang="pt-BR" sz="1800" spc="-1" strike="noStrike">
+              <a:rPr lang="pt-BR" sz="1800" b="0" strike="noStrike" spc="-1" dirty="0">
+                <a:solidFill>
+                  <a:schemeClr val="bg1"/>
+                </a:solidFill>
                 <a:latin typeface="Arial"/>
               </a:rPr>
               <a:t>Causar e receber dano;</a:t>
             </a:r>
-            <a:endParaRPr b="0" lang="pt-BR" sz="1800" spc="-1" strike="noStrike">
-              <a:latin typeface="Arial"/>
-            </a:endParaRPr>
-          </a:p>
-          <a:p>
-            <a:pPr lvl="1" marL="432000" indent="-216000">
+          </a:p>
+          <a:p>
+            <a:pPr marL="432000" lvl="1" indent="-216000">
               <a:buClr>
-                <a:srgbClr val="ffffff"/>
+                <a:srgbClr val="FFFFFF"/>
               </a:buClr>
               <a:buSzPct val="45000"/>
               <a:buFont typeface="Wingdings" charset="2"/>
               <a:buChar char=""/>
             </a:pPr>
             <a:r>
-              <a:rPr b="0" lang="pt-BR" sz="1800" spc="-1" strike="noStrike">
+              <a:rPr lang="pt-BR" sz="1800" b="0" strike="noStrike" spc="-1" dirty="0">
+                <a:solidFill>
+                  <a:schemeClr val="bg1"/>
+                </a:solidFill>
                 <a:latin typeface="Arial"/>
               </a:rPr>
               <a:t>Morrer;</a:t>
             </a:r>
-            <a:endParaRPr b="0" lang="pt-BR" sz="1800" spc="-1" strike="noStrike">
-              <a:latin typeface="Arial"/>
-            </a:endParaRPr>
-          </a:p>
-          <a:p>
-            <a:pPr lvl="1" marL="432000" indent="-216000">
+          </a:p>
+          <a:p>
+            <a:pPr marL="432000" lvl="1" indent="-216000">
               <a:buClr>
-                <a:srgbClr val="ffffff"/>
+                <a:srgbClr val="FFFFFF"/>
               </a:buClr>
               <a:buSzPct val="45000"/>
               <a:buFont typeface="Wingdings" charset="2"/>
               <a:buChar char=""/>
             </a:pPr>
             <a:r>
-              <a:rPr b="0" lang="pt-BR" sz="1800" spc="-1" strike="noStrike">
+              <a:rPr lang="pt-BR" sz="1800" b="0" strike="noStrike" spc="-1" dirty="0">
+                <a:solidFill>
+                  <a:schemeClr val="bg1"/>
+                </a:solidFill>
                 <a:latin typeface="Arial"/>
               </a:rPr>
-              <a:t>Deixar Itens para trás.</a:t>
-            </a:r>
-            <a:endParaRPr b="0" lang="pt-BR" sz="1800" spc="-1" strike="noStrike">
+              <a:t>Deixar Itens para trás</a:t>
+            </a:r>
+            <a:r>
+              <a:rPr lang="pt-BR" sz="1800" b="0" strike="noStrike" spc="-1" dirty="0" smtClean="0">
+                <a:solidFill>
+                  <a:schemeClr val="bg1"/>
+                </a:solidFill>
+                <a:latin typeface="Arial"/>
+              </a:rPr>
+              <a:t>.</a:t>
+            </a:r>
+          </a:p>
+          <a:p>
+            <a:pPr marL="432000" lvl="1" indent="-216000">
+              <a:buClr>
+                <a:srgbClr val="FFFFFF"/>
+              </a:buClr>
+              <a:buSzPct val="45000"/>
+              <a:buFont typeface="Wingdings" charset="2"/>
+              <a:buChar char=""/>
+            </a:pPr>
+            <a:endParaRPr lang="pt-BR" spc="-1" dirty="0">
+              <a:solidFill>
+                <a:schemeClr val="bg1"/>
+              </a:solidFill>
               <a:latin typeface="Arial"/>
+            </a:endParaRPr>
+          </a:p>
+          <a:p>
+            <a:r>
+              <a:rPr lang="pt-BR" spc="-1" dirty="0">
+                <a:solidFill>
+                  <a:schemeClr val="bg1"/>
+                </a:solidFill>
+              </a:rPr>
+              <a:t>Alguns inimigos permanecem parados até o</a:t>
+            </a:r>
+          </a:p>
+          <a:p>
+            <a:r>
+              <a:rPr lang="pt-BR" spc="-1" dirty="0">
+                <a:solidFill>
+                  <a:schemeClr val="bg1"/>
+                </a:solidFill>
+              </a:rPr>
+              <a:t>personagem aproximar-se deles, e então o</a:t>
+            </a:r>
+          </a:p>
+          <a:p>
+            <a:r>
+              <a:rPr lang="pt-BR" spc="-1" dirty="0">
+                <a:solidFill>
+                  <a:schemeClr val="bg1"/>
+                </a:solidFill>
+              </a:rPr>
+              <a:t>perseguem.</a:t>
+            </a:r>
+          </a:p>
+          <a:p>
+            <a:pPr marL="432000" lvl="1" indent="-216000">
+              <a:buClr>
+                <a:srgbClr val="FFFFFF"/>
+              </a:buClr>
+              <a:buSzPct val="45000"/>
+            </a:pPr>
+            <a:endParaRPr lang="pt-BR" sz="1800" b="0" strike="noStrike" spc="-1" dirty="0" smtClean="0">
+              <a:solidFill>
+                <a:schemeClr val="bg1"/>
+              </a:solidFill>
+              <a:latin typeface="Arial"/>
+            </a:endParaRPr>
+          </a:p>
+          <a:p>
+            <a:r>
+              <a:rPr lang="pt-BR" spc="-1" dirty="0">
+                <a:solidFill>
+                  <a:schemeClr val="bg1"/>
+                </a:solidFill>
+              </a:rPr>
+              <a:t>Outros inimigos possuem uma movimentação</a:t>
+            </a:r>
+          </a:p>
+          <a:p>
+            <a:r>
+              <a:rPr lang="pt-BR" spc="-1" dirty="0">
+                <a:solidFill>
+                  <a:schemeClr val="bg1"/>
+                </a:solidFill>
+              </a:rPr>
+              <a:t>fixa, independente da proximidade ou posição</a:t>
+            </a:r>
+          </a:p>
+          <a:p>
+            <a:r>
+              <a:rPr lang="pt-BR" spc="-1" dirty="0">
+                <a:solidFill>
+                  <a:schemeClr val="bg1"/>
+                </a:solidFill>
+              </a:rPr>
+              <a:t>do personagem</a:t>
+            </a:r>
+            <a:r>
+              <a:rPr lang="pt-BR" spc="-1" dirty="0" smtClean="0">
+                <a:solidFill>
+                  <a:schemeClr val="bg1"/>
+                </a:solidFill>
+              </a:rPr>
+              <a:t>.</a:t>
+            </a:r>
+            <a:endParaRPr lang="pt-BR" spc="-1" dirty="0">
+              <a:solidFill>
+                <a:schemeClr val="bg1"/>
+              </a:solidFill>
             </a:endParaRPr>
           </a:p>
         </p:txBody>
@@ -2975,42 +3303,13 @@
           </a:ln>
         </p:spPr>
         <p:txBody>
-          <a:bodyPr lIns="90000" rIns="90000" tIns="45000" bIns="45000"/>
-          <a:p>
-            <a:r>
-              <a:rPr b="0" lang="pt-BR" sz="1800" spc="-1" strike="noStrike">
-                <a:latin typeface="Arial"/>
-              </a:rPr>
-              <a:t>Alguns inimigos permanecem parados até o</a:t>
-            </a:r>
-            <a:endParaRPr b="0" lang="pt-BR" sz="1800" spc="-1" strike="noStrike">
-              <a:latin typeface="Arial"/>
-            </a:endParaRPr>
-          </a:p>
-          <a:p>
-            <a:r>
-              <a:rPr b="0" lang="pt-BR" sz="1800" spc="-1" strike="noStrike">
-                <a:latin typeface="Arial"/>
-              </a:rPr>
-              <a:t>personagem aproximar-se deles, e então o</a:t>
-            </a:r>
-            <a:endParaRPr b="0" lang="pt-BR" sz="1800" spc="-1" strike="noStrike">
-              <a:latin typeface="Arial"/>
-            </a:endParaRPr>
-          </a:p>
-          <a:p>
-            <a:r>
-              <a:rPr b="0" lang="pt-BR" sz="1800" spc="-1" strike="noStrike">
-                <a:latin typeface="Arial"/>
-              </a:rPr>
-              <a:t>perseguem.</a:t>
-            </a:r>
-            <a:endParaRPr b="0" lang="pt-BR" sz="1800" spc="-1" strike="noStrike">
-              <a:latin typeface="Arial"/>
-            </a:endParaRPr>
-          </a:p>
-          <a:p>
-            <a:endParaRPr b="0" lang="pt-BR" sz="1800" spc="-1" strike="noStrike">
+          <a:bodyPr lIns="90000" tIns="45000" rIns="90000" bIns="45000"/>
+          <a:lstStyle/>
+          <a:p>
+            <a:endParaRPr lang="pt-BR" sz="1800" b="0" strike="noStrike" spc="-1" dirty="0">
+              <a:solidFill>
+                <a:schemeClr val="bg1"/>
+              </a:solidFill>
               <a:latin typeface="Arial"/>
             </a:endParaRPr>
           </a:p>
@@ -3036,37 +3335,13 @@
           </a:ln>
         </p:spPr>
         <p:txBody>
-          <a:bodyPr lIns="90000" rIns="90000" tIns="45000" bIns="45000"/>
-          <a:p>
-            <a:r>
-              <a:rPr b="0" lang="pt-BR" sz="1800" spc="-1" strike="noStrike">
-                <a:latin typeface="Arial"/>
-              </a:rPr>
-              <a:t>Outros inimigos possuem uma movimentação</a:t>
-            </a:r>
-            <a:endParaRPr b="0" lang="pt-BR" sz="1800" spc="-1" strike="noStrike">
-              <a:latin typeface="Arial"/>
-            </a:endParaRPr>
-          </a:p>
-          <a:p>
-            <a:r>
-              <a:rPr b="0" lang="pt-BR" sz="1800" spc="-1" strike="noStrike">
-                <a:latin typeface="Arial"/>
-              </a:rPr>
-              <a:t>fixa, independente da proximidade ou posição</a:t>
-            </a:r>
-            <a:endParaRPr b="0" lang="pt-BR" sz="1800" spc="-1" strike="noStrike">
-              <a:latin typeface="Arial"/>
-            </a:endParaRPr>
-          </a:p>
-          <a:p>
-            <a:r>
-              <a:rPr b="0" lang="pt-BR" sz="1800" spc="-1" strike="noStrike">
-                <a:latin typeface="Arial"/>
-              </a:rPr>
-              <a:t>do personagem.</a:t>
-            </a:r>
-            <a:endParaRPr b="0" lang="pt-BR" sz="1800" spc="-1" strike="noStrike">
+          <a:bodyPr lIns="90000" tIns="45000" rIns="90000" bIns="45000"/>
+          <a:lstStyle/>
+          <a:p>
+            <a:endParaRPr lang="pt-BR" sz="1800" b="0" strike="noStrike" spc="-1" dirty="0">
+              <a:solidFill>
+                <a:schemeClr val="bg1"/>
+              </a:solidFill>
               <a:latin typeface="Arial"/>
             </a:endParaRPr>
           </a:p>
@@ -3074,22 +3349,25 @@
       </p:sp>
     </p:spTree>
   </p:cSld>
+  <p:clrMapOvr>
+    <a:masterClrMapping/>
+  </p:clrMapOvr>
   <p:timing>
     <p:tnLst>
       <p:par>
-        <p:cTn id="7" dur="indefinite" restart="never" nodeType="tmRoot">
+        <p:cTn id="1" dur="indefinite" restart="never" nodeType="tmRoot">
           <p:childTnLst>
             <p:seq>
-              <p:cTn id="8" nodeType="mainSeq"/>
+              <p:cTn id="2" nodeType="mainSeq"/>
               <p:prevCondLst>
-                <p:cond delay="0" evt="onPrev">
+                <p:cond evt="onPrev" delay="0">
                   <p:tgtEl>
                     <p:sldTgt/>
                   </p:tgtEl>
                 </p:cond>
               </p:prevCondLst>
               <p:nextCondLst>
-                <p:cond delay="0" evt="onNext">
+                <p:cond evt="onNext" delay="0">
                   <p:tgtEl>
                     <p:sldTgt/>
                   </p:tgtEl>
@@ -3105,7 +3383,7 @@
 </file>
 
 <file path=ppt/slides/slide5.xml><?xml version="1.0" encoding="utf-8"?>
-<p:sld xmlns:a="http://schemas.openxmlformats.org/drawingml/2006/main" xmlns:p="http://schemas.openxmlformats.org/presentationml/2006/main" xmlns:r="http://schemas.openxmlformats.org/officeDocument/2006/relationships" xmlns:p14="http://schemas.microsoft.com/office/powerpoint/2010/main" xmlns:p15="http://schemas.microsoft.com/office/powerpoint/2012/main" xmlns:mc="http://schemas.openxmlformats.org/markup-compatibility/2006">
+<p:sld xmlns:a="http://schemas.openxmlformats.org/drawingml/2006/main" xmlns:r="http://schemas.openxmlformats.org/officeDocument/2006/relationships" xmlns:p="http://schemas.openxmlformats.org/presentationml/2006/main">
   <p:cSld>
     <p:spTree>
       <p:nvGrpSpPr>
@@ -3142,6 +3420,7 @@
         </p:spPr>
         <p:txBody>
           <a:bodyPr anchor="ctr"/>
+          <a:lstStyle/>
           <a:p>
             <a:pPr>
               <a:lnSpc>
@@ -3149,15 +3428,15 @@
               </a:lnSpc>
             </a:pPr>
             <a:r>
-              <a:rPr b="0" lang="pt-BR" sz="4400" spc="-1" strike="noStrike">
-                <a:solidFill>
-                  <a:srgbClr val="ffffff"/>
+              <a:rPr lang="pt-BR" sz="4400" b="0" strike="noStrike" spc="-1" dirty="0">
+                <a:solidFill>
+                  <a:srgbClr val="FFFFFF"/>
                 </a:solidFill>
                 <a:latin typeface="Calibri"/>
               </a:rPr>
               <a:t>GD5 – Item</a:t>
             </a:r>
-            <a:endParaRPr b="0" lang="pt-BR" sz="4400" spc="-1" strike="noStrike">
+            <a:endParaRPr lang="pt-BR" sz="4400" b="0" strike="noStrike" spc="-1" dirty="0">
               <a:solidFill>
                 <a:srgbClr val="000000"/>
               </a:solidFill>
@@ -3168,30 +3447,7 @@
       </p:sp>
       <p:pic>
         <p:nvPicPr>
-          <p:cNvPr id="62" name="" descr=""/>
-          <p:cNvPicPr/>
-          <p:nvPr/>
-        </p:nvPicPr>
-        <p:blipFill>
-          <a:blip r:embed="rId1"/>
-          <a:stretch/>
-        </p:blipFill>
-        <p:spPr>
-          <a:xfrm>
-            <a:off x="516960" y="2304000"/>
-            <a:ext cx="1643040" cy="1470960"/>
-          </a:xfrm>
-          <a:prstGeom prst="rect">
-            <a:avLst/>
-          </a:prstGeom>
-          <a:ln>
-            <a:noFill/>
-          </a:ln>
-        </p:spPr>
-      </p:pic>
-      <p:pic>
-        <p:nvPicPr>
-          <p:cNvPr id="63" name="" descr=""/>
+          <p:cNvPr id="62" name="Imagem 61"/>
           <p:cNvPicPr/>
           <p:nvPr/>
         </p:nvPicPr>
@@ -3201,8 +3457,8 @@
         </p:blipFill>
         <p:spPr>
           <a:xfrm>
-            <a:off x="504000" y="4303800"/>
-            <a:ext cx="1656000" cy="1456200"/>
+            <a:off x="516960" y="2304000"/>
+            <a:ext cx="1643040" cy="1470960"/>
           </a:xfrm>
           <a:prstGeom prst="rect">
             <a:avLst/>
@@ -3212,6 +3468,29 @@
           </a:ln>
         </p:spPr>
       </p:pic>
+      <p:pic>
+        <p:nvPicPr>
+          <p:cNvPr id="63" name="Imagem 62"/>
+          <p:cNvPicPr/>
+          <p:nvPr/>
+        </p:nvPicPr>
+        <p:blipFill>
+          <a:blip r:embed="rId3"/>
+          <a:stretch/>
+        </p:blipFill>
+        <p:spPr>
+          <a:xfrm>
+            <a:off x="504000" y="4303800"/>
+            <a:ext cx="1656000" cy="1456200"/>
+          </a:xfrm>
+          <a:prstGeom prst="rect">
+            <a:avLst/>
+          </a:prstGeom>
+          <a:ln>
+            <a:noFill/>
+          </a:ln>
+        </p:spPr>
+      </p:pic>
       <p:sp>
         <p:nvSpPr>
           <p:cNvPr id="64" name="TextShape 2"/>
@@ -3221,7 +3500,7 @@
         <p:spPr>
           <a:xfrm>
             <a:off x="419040" y="1224000"/>
-            <a:ext cx="5165640" cy="858240"/>
+            <a:ext cx="5867472" cy="1204868"/>
           </a:xfrm>
           <a:prstGeom prst="rect">
             <a:avLst/>
@@ -3232,37 +3511,53 @@
           </a:ln>
         </p:spPr>
         <p:txBody>
-          <a:bodyPr lIns="90000" rIns="90000" tIns="45000" bIns="45000"/>
-          <a:p>
-            <a:r>
-              <a:rPr b="0" lang="pt-BR" sz="1800" spc="-1" strike="noStrike">
+          <a:bodyPr lIns="90000" tIns="45000" rIns="90000" bIns="45000"/>
+          <a:lstStyle/>
+          <a:p>
+            <a:r>
+              <a:rPr lang="pt-BR" sz="1800" b="0" strike="noStrike" spc="-1" dirty="0">
+                <a:solidFill>
+                  <a:schemeClr val="bg1"/>
+                </a:solidFill>
                 <a:latin typeface="Arial"/>
               </a:rPr>
               <a:t>Itens têm chance de serem deixados para trás</a:t>
             </a:r>
-            <a:endParaRPr b="0" lang="pt-BR" sz="1800" spc="-1" strike="noStrike">
-              <a:latin typeface="Arial"/>
-            </a:endParaRPr>
-          </a:p>
-          <a:p>
-            <a:r>
-              <a:rPr b="0" lang="pt-BR" sz="1800" spc="-1" strike="noStrike">
+          </a:p>
+          <a:p>
+            <a:r>
+              <a:rPr lang="pt-BR" sz="1800" b="0" strike="noStrike" spc="-1" dirty="0">
+                <a:solidFill>
+                  <a:schemeClr val="bg1"/>
+                </a:solidFill>
                 <a:latin typeface="Arial"/>
               </a:rPr>
               <a:t>com a morte de um inimigo. Basta o personagem</a:t>
             </a:r>
-            <a:endParaRPr b="0" lang="pt-BR" sz="1800" spc="-1" strike="noStrike">
-              <a:latin typeface="Arial"/>
-            </a:endParaRPr>
-          </a:p>
-          <a:p>
-            <a:r>
-              <a:rPr b="0" lang="pt-BR" sz="1800" spc="-1" strike="noStrike">
+          </a:p>
+          <a:p>
+            <a:r>
+              <a:rPr lang="pt-BR" sz="1800" b="0" strike="noStrike" spc="-1" dirty="0">
+                <a:solidFill>
+                  <a:schemeClr val="bg1"/>
+                </a:solidFill>
                 <a:latin typeface="Arial"/>
               </a:rPr>
-              <a:t>entrar em contato para coletá-lo e consumi-lo</a:t>
-            </a:r>
-            <a:endParaRPr b="0" lang="pt-BR" sz="1800" spc="-1" strike="noStrike">
+              <a:t>entrar em contato para </a:t>
+            </a:r>
+            <a:r>
+              <a:rPr lang="pt-BR" sz="1800" b="0" strike="noStrike" spc="-1" dirty="0" smtClean="0">
+                <a:solidFill>
+                  <a:schemeClr val="bg1"/>
+                </a:solidFill>
+                <a:latin typeface="Arial"/>
+              </a:rPr>
+              <a:t>coletá-lo.</a:t>
+            </a:r>
+            <a:endParaRPr lang="pt-BR" sz="1800" b="0" strike="noStrike" spc="-1" dirty="0">
+              <a:solidFill>
+                <a:schemeClr val="bg1"/>
+              </a:solidFill>
               <a:latin typeface="Arial"/>
             </a:endParaRPr>
           </a:p>
@@ -3277,7 +3572,7 @@
         <p:spPr>
           <a:xfrm>
             <a:off x="2664000" y="2376000"/>
-            <a:ext cx="3740760" cy="858240"/>
+            <a:ext cx="4908396" cy="858240"/>
           </a:xfrm>
           <a:prstGeom prst="rect">
             <a:avLst/>
@@ -3288,39 +3583,40 @@
           </a:ln>
         </p:spPr>
         <p:txBody>
-          <a:bodyPr lIns="90000" rIns="90000" tIns="45000" bIns="45000"/>
-          <a:p>
-            <a:r>
-              <a:rPr b="0" lang="pt-BR" sz="1800" spc="-1" strike="noStrike">
+          <a:bodyPr lIns="90000" tIns="45000" rIns="90000" bIns="45000"/>
+          <a:lstStyle/>
+          <a:p>
+            <a:r>
+              <a:rPr lang="pt-BR" sz="1800" b="0" strike="noStrike" spc="-1" dirty="0">
+                <a:solidFill>
+                  <a:schemeClr val="bg1"/>
+                </a:solidFill>
                 <a:latin typeface="Arial"/>
               </a:rPr>
               <a:t>Um tipo de item é a poção de vida,</a:t>
             </a:r>
-            <a:endParaRPr b="0" lang="pt-BR" sz="1800" spc="-1" strike="noStrike">
-              <a:latin typeface="Arial"/>
-            </a:endParaRPr>
-          </a:p>
-          <a:p>
-            <a:r>
-              <a:rPr b="0" lang="pt-BR" sz="1800" spc="-1" strike="noStrike">
+          </a:p>
+          <a:p>
+            <a:r>
+              <a:rPr lang="pt-BR" sz="1800" b="0" strike="noStrike" spc="-1" dirty="0">
+                <a:solidFill>
+                  <a:schemeClr val="bg1"/>
+                </a:solidFill>
                 <a:latin typeface="Arial"/>
               </a:rPr>
               <a:t>usada para recuperar a quantidade</a:t>
             </a:r>
-            <a:endParaRPr b="0" lang="pt-BR" sz="1800" spc="-1" strike="noStrike">
-              <a:latin typeface="Arial"/>
-            </a:endParaRPr>
-          </a:p>
-          <a:p>
-            <a:r>
-              <a:rPr b="0" lang="pt-BR" sz="1800" spc="-1" strike="noStrike">
+          </a:p>
+          <a:p>
+            <a:r>
+              <a:rPr lang="pt-BR" sz="1800" b="0" strike="noStrike" spc="-1" dirty="0">
+                <a:solidFill>
+                  <a:schemeClr val="bg1"/>
+                </a:solidFill>
                 <a:latin typeface="Arial"/>
               </a:rPr>
               <a:t>de vida do personagem.</a:t>
             </a:r>
-            <a:endParaRPr b="0" lang="pt-BR" sz="1800" spc="-1" strike="noStrike">
-              <a:latin typeface="Arial"/>
-            </a:endParaRPr>
           </a:p>
         </p:txBody>
       </p:sp>
@@ -3344,60 +3640,64 @@
           </a:ln>
         </p:spPr>
         <p:txBody>
-          <a:bodyPr lIns="90000" rIns="90000" tIns="45000" bIns="45000"/>
-          <a:p>
-            <a:r>
-              <a:rPr b="0" lang="pt-BR" sz="1800" spc="-1" strike="noStrike">
+          <a:bodyPr lIns="90000" tIns="45000" rIns="90000" bIns="45000"/>
+          <a:lstStyle/>
+          <a:p>
+            <a:r>
+              <a:rPr lang="pt-BR" sz="1800" b="0" strike="noStrike" spc="-1" dirty="0">
+                <a:solidFill>
+                  <a:schemeClr val="bg1"/>
+                </a:solidFill>
                 <a:latin typeface="Arial"/>
               </a:rPr>
               <a:t>Outro tipo de item é a poção de mana,</a:t>
             </a:r>
-            <a:endParaRPr b="0" lang="pt-BR" sz="1800" spc="-1" strike="noStrike">
-              <a:latin typeface="Arial"/>
-            </a:endParaRPr>
-          </a:p>
-          <a:p>
-            <a:r>
-              <a:rPr b="0" lang="pt-BR" sz="1800" spc="-1" strike="noStrike">
+          </a:p>
+          <a:p>
+            <a:r>
+              <a:rPr lang="pt-BR" sz="1800" b="0" strike="noStrike" spc="-1" dirty="0">
+                <a:solidFill>
+                  <a:schemeClr val="bg1"/>
+                </a:solidFill>
                 <a:latin typeface="Arial"/>
               </a:rPr>
               <a:t>usada para recuperar a quantidade de</a:t>
             </a:r>
-            <a:endParaRPr b="0" lang="pt-BR" sz="1800" spc="-1" strike="noStrike">
-              <a:latin typeface="Arial"/>
-            </a:endParaRPr>
-          </a:p>
-          <a:p>
-            <a:r>
-              <a:rPr b="0" lang="pt-BR" sz="1800" spc="-1" strike="noStrike">
+          </a:p>
+          <a:p>
+            <a:r>
+              <a:rPr lang="pt-BR" sz="1800" b="0" strike="noStrike" spc="-1" dirty="0">
+                <a:solidFill>
+                  <a:schemeClr val="bg1"/>
+                </a:solidFill>
                 <a:latin typeface="Arial"/>
               </a:rPr>
               <a:t>mana do personagem.</a:t>
             </a:r>
-            <a:endParaRPr b="0" lang="pt-BR" sz="1800" spc="-1" strike="noStrike">
-              <a:latin typeface="Arial"/>
-            </a:endParaRPr>
           </a:p>
         </p:txBody>
       </p:sp>
     </p:spTree>
   </p:cSld>
+  <p:clrMapOvr>
+    <a:masterClrMapping/>
+  </p:clrMapOvr>
   <p:timing>
     <p:tnLst>
       <p:par>
-        <p:cTn id="9" dur="indefinite" restart="never" nodeType="tmRoot">
+        <p:cTn id="1" dur="indefinite" restart="never" nodeType="tmRoot">
           <p:childTnLst>
             <p:seq>
-              <p:cTn id="10" nodeType="mainSeq"/>
+              <p:cTn id="2" nodeType="mainSeq"/>
               <p:prevCondLst>
-                <p:cond delay="0" evt="onPrev">
+                <p:cond evt="onPrev" delay="0">
                   <p:tgtEl>
                     <p:sldTgt/>
                   </p:tgtEl>
                 </p:cond>
               </p:prevCondLst>
               <p:nextCondLst>
-                <p:cond delay="0" evt="onNext">
+                <p:cond evt="onNext" delay="0">
                   <p:tgtEl>
                     <p:sldTgt/>
                   </p:tgtEl>
@@ -3632,5 +3932,7 @@
       </a:bgFillStyleLst>
     </a:fmtScheme>
   </a:themeElements>
+  <a:objectDefaults/>
+  <a:extraClrSchemeLst/>
 </a:theme>
 </file>